--- a/MY PRESENTATION.pptx
+++ b/MY PRESENTATION.pptx
@@ -2,17 +2,17 @@
 <file path=ppt/presentation.xml><?xml version="1.0" encoding="utf-8"?>
 <p:presentation xmlns:a="http://schemas.openxmlformats.org/drawingml/2006/main" xmlns:r="http://schemas.openxmlformats.org/officeDocument/2006/relationships" xmlns:p="http://schemas.openxmlformats.org/presentationml/2006/main">
   <p:sldMasterIdLst>
-    <p:sldMasterId id="2147483648" r:id="rId5"/>
+    <p:sldMasterId id="2147483648" r:id="rId1"/>
   </p:sldMasterIdLst>
   <p:notesMasterIdLst>
     <p:notesMasterId r:id="rId7"/>
   </p:notesMasterIdLst>
   <p:sldIdLst>
-    <p:sldId id="256" r:id="rId8"/>
-    <p:sldId id="257" r:id="rId9"/>
-    <p:sldId id="258" r:id="rId10"/>
-    <p:sldId id="259" r:id="rId11"/>
-    <p:sldId id="260" r:id="rId12"/>
+    <p:sldId id="256" r:id="rId2"/>
+    <p:sldId id="257" r:id="rId3"/>
+    <p:sldId id="258" r:id="rId4"/>
+    <p:sldId id="259" r:id="rId5"/>
+    <p:sldId id="260" r:id="rId6"/>
   </p:sldIdLst>
   <p:sldSz cx="13004800" cy="9753600"/>
   <p:notesSz cx="6858000" cy="9144000"/>
@@ -32,7 +32,7 @@
       <a:buFontTx/>
       <a:buNone/>
       <a:tabLst/>
-      <a:defRPr b="0" baseline="0" cap="none" i="0" spc="0" strike="noStrike" sz="1800" u="none" kumimoji="0" normalizeH="0">
+      <a:defRPr kumimoji="0" sz="1800" b="0" i="0" u="none" strike="noStrike" cap="none" spc="0" normalizeH="0" baseline="0">
         <a:ln>
           <a:noFill/>
         </a:ln>
@@ -58,7 +58,7 @@
       <a:buFontTx/>
       <a:buNone/>
       <a:tabLst/>
-      <a:defRPr b="0" baseline="0" cap="none" i="0" spc="0" strike="noStrike" sz="4000" u="none" kumimoji="0" normalizeH="0">
+      <a:defRPr kumimoji="0" sz="4000" b="0" i="0" u="none" strike="noStrike" cap="none" spc="0" normalizeH="0" baseline="0">
         <a:ln>
           <a:noFill/>
         </a:ln>
@@ -88,7 +88,7 @@
       <a:buFontTx/>
       <a:buNone/>
       <a:tabLst/>
-      <a:defRPr b="0" baseline="0" cap="none" i="0" spc="0" strike="noStrike" sz="4000" u="none" kumimoji="0" normalizeH="0">
+      <a:defRPr kumimoji="0" sz="4000" b="0" i="0" u="none" strike="noStrike" cap="none" spc="0" normalizeH="0" baseline="0">
         <a:ln>
           <a:noFill/>
         </a:ln>
@@ -118,7 +118,7 @@
       <a:buFontTx/>
       <a:buNone/>
       <a:tabLst/>
-      <a:defRPr b="0" baseline="0" cap="none" i="0" spc="0" strike="noStrike" sz="4000" u="none" kumimoji="0" normalizeH="0">
+      <a:defRPr kumimoji="0" sz="4000" b="0" i="0" u="none" strike="noStrike" cap="none" spc="0" normalizeH="0" baseline="0">
         <a:ln>
           <a:noFill/>
         </a:ln>
@@ -148,7 +148,7 @@
       <a:buFontTx/>
       <a:buNone/>
       <a:tabLst/>
-      <a:defRPr b="0" baseline="0" cap="none" i="0" spc="0" strike="noStrike" sz="4000" u="none" kumimoji="0" normalizeH="0">
+      <a:defRPr kumimoji="0" sz="4000" b="0" i="0" u="none" strike="noStrike" cap="none" spc="0" normalizeH="0" baseline="0">
         <a:ln>
           <a:noFill/>
         </a:ln>
@@ -178,7 +178,7 @@
       <a:buFontTx/>
       <a:buNone/>
       <a:tabLst/>
-      <a:defRPr b="0" baseline="0" cap="none" i="0" spc="0" strike="noStrike" sz="4000" u="none" kumimoji="0" normalizeH="0">
+      <a:defRPr kumimoji="0" sz="4000" b="0" i="0" u="none" strike="noStrike" cap="none" spc="0" normalizeH="0" baseline="0">
         <a:ln>
           <a:noFill/>
         </a:ln>
@@ -208,7 +208,7 @@
       <a:buFontTx/>
       <a:buNone/>
       <a:tabLst/>
-      <a:defRPr b="0" baseline="0" cap="none" i="0" spc="0" strike="noStrike" sz="4000" u="none" kumimoji="0" normalizeH="0">
+      <a:defRPr kumimoji="0" sz="4000" b="0" i="0" u="none" strike="noStrike" cap="none" spc="0" normalizeH="0" baseline="0">
         <a:ln>
           <a:noFill/>
         </a:ln>
@@ -238,7 +238,7 @@
       <a:buFontTx/>
       <a:buNone/>
       <a:tabLst/>
-      <a:defRPr b="0" baseline="0" cap="none" i="0" spc="0" strike="noStrike" sz="4000" u="none" kumimoji="0" normalizeH="0">
+      <a:defRPr kumimoji="0" sz="4000" b="0" i="0" u="none" strike="noStrike" cap="none" spc="0" normalizeH="0" baseline="0">
         <a:ln>
           <a:noFill/>
         </a:ln>
@@ -268,7 +268,7 @@
       <a:buFontTx/>
       <a:buNone/>
       <a:tabLst/>
-      <a:defRPr b="0" baseline="0" cap="none" i="0" spc="0" strike="noStrike" sz="4000" u="none" kumimoji="0" normalizeH="0">
+      <a:defRPr kumimoji="0" sz="4000" b="0" i="0" u="none" strike="noStrike" cap="none" spc="0" normalizeH="0" baseline="0">
         <a:ln>
           <a:noFill/>
         </a:ln>
@@ -298,7 +298,7 @@
       <a:buFontTx/>
       <a:buNone/>
       <a:tabLst/>
-      <a:defRPr b="0" baseline="0" cap="none" i="0" spc="0" strike="noStrike" sz="4000" u="none" kumimoji="0" normalizeH="0">
+      <a:defRPr kumimoji="0" sz="4000" b="0" i="0" u="none" strike="noStrike" cap="none" spc="0" normalizeH="0" baseline="0">
         <a:ln>
           <a:noFill/>
         </a:ln>
@@ -317,13 +317,14 @@
 </p:presentation>
 </file>
 
-<file path=ppt/commentAuthors.xml><?xml version="1.0" encoding="utf-8"?>
-<p:cmAuthorLst xmlns:a="http://schemas.openxmlformats.org/drawingml/2006/main" xmlns:r="http://schemas.openxmlformats.org/officeDocument/2006/relationships" xmlns:p="http://schemas.openxmlformats.org/presentationml/2006/main"/>
-</file>
-
 <file path=ppt/notesMasters/notesMaster1.xml><?xml version="1.0" encoding="utf-8"?>
 <p:notesMaster xmlns:a="http://schemas.openxmlformats.org/drawingml/2006/main" xmlns:r="http://schemas.openxmlformats.org/officeDocument/2006/relationships" xmlns:p="http://schemas.openxmlformats.org/presentationml/2006/main">
   <p:cSld>
+    <p:bg>
+      <p:bgRef idx="1001">
+        <a:schemeClr val="bg1"/>
+      </p:bgRef>
+    </p:bg>
     <p:spTree>
       <p:nvGrpSpPr>
         <p:cNvPr id="1" name=""/>
@@ -341,7 +342,9 @@
       <p:sp>
         <p:nvSpPr>
           <p:cNvPr id="136" name="Shape 136"/>
-          <p:cNvSpPr/>
+          <p:cNvSpPr>
+            <a:spLocks noGrp="1" noRot="1" noChangeAspect="1"/>
+          </p:cNvSpPr>
           <p:nvPr>
             <p:ph type="sldImg"/>
           </p:nvPr>
@@ -359,14 +362,16 @@
           <a:bodyPr/>
           <a:lstStyle/>
           <a:p>
-            <a:pPr/>
+            <a:endParaRPr/>
           </a:p>
         </p:txBody>
       </p:sp>
       <p:sp>
         <p:nvSpPr>
           <p:cNvPr id="137" name="Shape 137"/>
-          <p:cNvSpPr/>
+          <p:cNvSpPr>
+            <a:spLocks noGrp="1"/>
+          </p:cNvSpPr>
           <p:nvPr>
             <p:ph type="body" sz="quarter" idx="1"/>
           </p:nvPr>
@@ -384,11 +389,16 @@
           <a:bodyPr/>
           <a:lstStyle/>
           <a:p>
-            <a:pPr/>
+            <a:endParaRPr/>
           </a:p>
         </p:txBody>
       </p:sp>
     </p:spTree>
+    <p:extLst>
+      <p:ext uri="{BB962C8B-B14F-4D97-AF65-F5344CB8AC3E}">
+        <p14:creationId xmlns:p14="http://schemas.microsoft.com/office/powerpoint/2010/main" val="134879000"/>
+      </p:ext>
+    </p:extLst>
   </p:cSld>
   <p:clrMap bg1="lt1" tx1="dk1" bg2="lt2" tx2="dk2" accent1="accent1" accent2="accent2" accent3="accent3" accent4="accent4" accent5="accent5" accent6="accent6" hlink="hlink" folHlink="folHlink"/>
   <p:notesStyle>
@@ -496,7 +506,7 @@
 </file>
 
 <file path=ppt/slideLayouts/slideLayout1.xml><?xml version="1.0" encoding="utf-8"?>
-<p:sldLayout xmlns:a="http://schemas.openxmlformats.org/drawingml/2006/main" xmlns:r="http://schemas.openxmlformats.org/officeDocument/2006/relationships" xmlns:p="http://schemas.openxmlformats.org/presentationml/2006/main" type="title" showMasterSp="1" showMasterPhAnim="1">
+<p:sldLayout xmlns:a="http://schemas.openxmlformats.org/drawingml/2006/main" xmlns:r="http://schemas.openxmlformats.org/officeDocument/2006/relationships" xmlns:p="http://schemas.openxmlformats.org/presentationml/2006/main" type="title">
   <p:cSld name="Title &amp; Subtitle">
     <p:spTree>
       <p:nvGrpSpPr>
@@ -515,7 +525,9 @@
       <p:sp>
         <p:nvSpPr>
           <p:cNvPr id="11" name="Title Text"/>
-          <p:cNvSpPr/>
+          <p:cNvSpPr>
+            <a:spLocks noGrp="1"/>
+          </p:cNvSpPr>
           <p:nvPr>
             <p:ph type="title"/>
           </p:nvPr>
@@ -533,11 +545,10 @@
           <a:bodyPr/>
           <a:lstStyle>
             <a:lvl1pPr>
-              <a:defRPr spc="992" sz="6200"/>
+              <a:defRPr sz="6200" spc="992"/>
             </a:lvl1pPr>
           </a:lstStyle>
           <a:p>
-            <a:pPr/>
             <a:r>
               <a:t>Title Text</a:t>
             </a:r>
@@ -547,7 +558,9 @@
       <p:sp>
         <p:nvSpPr>
           <p:cNvPr id="12" name="Body Level One…"/>
-          <p:cNvSpPr/>
+          <p:cNvSpPr>
+            <a:spLocks noGrp="1"/>
+          </p:cNvSpPr>
           <p:nvPr>
             <p:ph type="body" sz="quarter" idx="1"/>
           </p:nvPr>
@@ -571,7 +584,7 @@
               <a:buClrTx/>
               <a:buSzTx/>
               <a:buNone/>
-              <a:defRPr cap="all" spc="384" sz="2400">
+              <a:defRPr sz="2400" cap="all" spc="384">
                 <a:solidFill>
                   <a:srgbClr val="55D8FF"/>
                 </a:solidFill>
@@ -588,7 +601,7 @@
               <a:buClrTx/>
               <a:buSzTx/>
               <a:buNone/>
-              <a:defRPr cap="all" spc="384" sz="2400">
+              <a:defRPr sz="2400" cap="all" spc="384">
                 <a:solidFill>
                   <a:srgbClr val="55D8FF"/>
                 </a:solidFill>
@@ -605,7 +618,7 @@
               <a:buClrTx/>
               <a:buSzTx/>
               <a:buNone/>
-              <a:defRPr cap="all" spc="384" sz="2400">
+              <a:defRPr sz="2400" cap="all" spc="384">
                 <a:solidFill>
                   <a:srgbClr val="55D8FF"/>
                 </a:solidFill>
@@ -622,7 +635,7 @@
               <a:buClrTx/>
               <a:buSzTx/>
               <a:buNone/>
-              <a:defRPr cap="all" spc="384" sz="2400">
+              <a:defRPr sz="2400" cap="all" spc="384">
                 <a:solidFill>
                   <a:srgbClr val="55D8FF"/>
                 </a:solidFill>
@@ -639,7 +652,7 @@
               <a:buClrTx/>
               <a:buSzTx/>
               <a:buNone/>
-              <a:defRPr cap="all" spc="384" sz="2400">
+              <a:defRPr sz="2400" cap="all" spc="384">
                 <a:solidFill>
                   <a:srgbClr val="55D8FF"/>
                 </a:solidFill>
@@ -651,7 +664,6 @@
             </a:lvl5pPr>
           </a:lstStyle>
           <a:p>
-            <a:pPr/>
             <a:r>
               <a:t>Body Level One</a:t>
             </a:r>
@@ -685,7 +697,9 @@
       <p:sp>
         <p:nvSpPr>
           <p:cNvPr id="13" name="Slide Number"/>
-          <p:cNvSpPr/>
+          <p:cNvSpPr>
+            <a:spLocks noGrp="1"/>
+          </p:cNvSpPr>
           <p:nvPr>
             <p:ph type="sldNum" sz="quarter" idx="2"/>
           </p:nvPr>
@@ -699,8 +713,10 @@
           <a:bodyPr/>
           <a:lstStyle/>
           <a:p>
-            <a:pPr/>
-            <a:fld id="{86CB4B4D-7CA3-9044-876B-883B54F8677D}" type="slidenum"/>
+            <a:fld id="{86CB4B4D-7CA3-9044-876B-883B54F8677D}" type="slidenum">
+              <a:t>‹#›</a:t>
+            </a:fld>
+            <a:endParaRPr/>
           </a:p>
         </p:txBody>
       </p:sp>
@@ -709,12 +725,12 @@
   <p:clrMapOvr>
     <a:masterClrMapping/>
   </p:clrMapOvr>
-  <p:transition xmlns:p14="http://schemas.microsoft.com/office/powerpoint/2010/main" spd="med" advClick="1"/>
+  <p:transition spd="med"/>
 </p:sldLayout>
 </file>
 
 <file path=ppt/slideLayouts/slideLayout10.xml><?xml version="1.0" encoding="utf-8"?>
-<p:sldLayout xmlns:a="http://schemas.openxmlformats.org/drawingml/2006/main" xmlns:r="http://schemas.openxmlformats.org/officeDocument/2006/relationships" xmlns:p="http://schemas.openxmlformats.org/presentationml/2006/main" type="tx" showMasterSp="1" showMasterPhAnim="1">
+<p:sldLayout xmlns:a="http://schemas.openxmlformats.org/drawingml/2006/main" xmlns:r="http://schemas.openxmlformats.org/officeDocument/2006/relationships" xmlns:p="http://schemas.openxmlformats.org/presentationml/2006/main" type="tx">
   <p:cSld name="Photo - 3 Up">
     <p:spTree>
       <p:nvGrpSpPr>
@@ -733,7 +749,9 @@
       <p:sp>
         <p:nvSpPr>
           <p:cNvPr id="93" name="Image"/>
-          <p:cNvSpPr/>
+          <p:cNvSpPr>
+            <a:spLocks noGrp="1"/>
+          </p:cNvSpPr>
           <p:nvPr>
             <p:ph type="pic" sz="half" idx="13"/>
           </p:nvPr>
@@ -753,14 +771,16 @@
           </a:bodyPr>
           <a:lstStyle/>
           <a:p>
-            <a:pPr/>
+            <a:endParaRPr/>
           </a:p>
         </p:txBody>
       </p:sp>
       <p:sp>
         <p:nvSpPr>
           <p:cNvPr id="94" name="Image"/>
-          <p:cNvSpPr/>
+          <p:cNvSpPr>
+            <a:spLocks noGrp="1"/>
+          </p:cNvSpPr>
           <p:nvPr>
             <p:ph type="pic" sz="half" idx="14"/>
           </p:nvPr>
@@ -780,14 +800,16 @@
           </a:bodyPr>
           <a:lstStyle/>
           <a:p>
-            <a:pPr/>
+            <a:endParaRPr/>
           </a:p>
         </p:txBody>
       </p:sp>
       <p:sp>
         <p:nvSpPr>
           <p:cNvPr id="95" name="Image"/>
-          <p:cNvSpPr/>
+          <p:cNvSpPr>
+            <a:spLocks noGrp="1"/>
+          </p:cNvSpPr>
           <p:nvPr>
             <p:ph type="pic" idx="15"/>
           </p:nvPr>
@@ -807,14 +829,16 @@
           </a:bodyPr>
           <a:lstStyle/>
           <a:p>
-            <a:pPr/>
+            <a:endParaRPr/>
           </a:p>
         </p:txBody>
       </p:sp>
       <p:sp>
         <p:nvSpPr>
           <p:cNvPr id="96" name="Slide Number"/>
-          <p:cNvSpPr/>
+          <p:cNvSpPr>
+            <a:spLocks noGrp="1"/>
+          </p:cNvSpPr>
           <p:nvPr>
             <p:ph type="sldNum" sz="quarter" idx="2"/>
           </p:nvPr>
@@ -828,8 +852,10 @@
           <a:bodyPr/>
           <a:lstStyle/>
           <a:p>
-            <a:pPr/>
-            <a:fld id="{86CB4B4D-7CA3-9044-876B-883B54F8677D}" type="slidenum"/>
+            <a:fld id="{86CB4B4D-7CA3-9044-876B-883B54F8677D}" type="slidenum">
+              <a:t>‹#›</a:t>
+            </a:fld>
+            <a:endParaRPr/>
           </a:p>
         </p:txBody>
       </p:sp>
@@ -838,12 +864,12 @@
   <p:clrMapOvr>
     <a:masterClrMapping/>
   </p:clrMapOvr>
-  <p:transition xmlns:p14="http://schemas.microsoft.com/office/powerpoint/2010/main" spd="med" advClick="1"/>
+  <p:transition spd="med"/>
 </p:sldLayout>
 </file>
 
 <file path=ppt/slideLayouts/slideLayout11.xml><?xml version="1.0" encoding="utf-8"?>
-<p:sldLayout xmlns:a="http://schemas.openxmlformats.org/drawingml/2006/main" xmlns:r="http://schemas.openxmlformats.org/officeDocument/2006/relationships" xmlns:p="http://schemas.openxmlformats.org/presentationml/2006/main" type="tx" showMasterSp="1" showMasterPhAnim="1">
+<p:sldLayout xmlns:a="http://schemas.openxmlformats.org/drawingml/2006/main" xmlns:r="http://schemas.openxmlformats.org/officeDocument/2006/relationships" xmlns:p="http://schemas.openxmlformats.org/presentationml/2006/main" type="tx">
   <p:cSld name="Quote">
     <p:spTree>
       <p:nvGrpSpPr>
@@ -862,7 +888,9 @@
       <p:sp>
         <p:nvSpPr>
           <p:cNvPr id="103" name="Body Level One…"/>
-          <p:cNvSpPr/>
+          <p:cNvSpPr>
+            <a:spLocks noGrp="1"/>
+          </p:cNvSpPr>
           <p:nvPr>
             <p:ph type="body" sz="quarter" idx="1"/>
           </p:nvPr>
@@ -886,7 +914,7 @@
               <a:buClrTx/>
               <a:buSzTx/>
               <a:buNone/>
-              <a:defRPr cap="all" spc="384" sz="2400">
+              <a:defRPr sz="2400" cap="all" spc="384">
                 <a:solidFill>
                   <a:srgbClr val="55D8FF"/>
                 </a:solidFill>
@@ -897,7 +925,7 @@
                 <a:spcPts val="0"/>
               </a:spcBef>
               <a:buClrTx/>
-              <a:defRPr cap="all" spc="384" sz="2400">
+              <a:defRPr sz="2400" cap="all" spc="384">
                 <a:solidFill>
                   <a:srgbClr val="55D8FF"/>
                 </a:solidFill>
@@ -908,7 +936,7 @@
                 <a:spcPts val="0"/>
               </a:spcBef>
               <a:buClrTx/>
-              <a:defRPr cap="all" spc="384" sz="2400">
+              <a:defRPr sz="2400" cap="all" spc="384">
                 <a:solidFill>
                   <a:srgbClr val="55D8FF"/>
                 </a:solidFill>
@@ -919,7 +947,7 @@
                 <a:spcPts val="0"/>
               </a:spcBef>
               <a:buClrTx/>
-              <a:defRPr cap="all" spc="384" sz="2400">
+              <a:defRPr sz="2400" cap="all" spc="384">
                 <a:solidFill>
                   <a:srgbClr val="55D8FF"/>
                 </a:solidFill>
@@ -930,7 +958,7 @@
                 <a:spcPts val="0"/>
               </a:spcBef>
               <a:buClrTx/>
-              <a:defRPr cap="all" spc="384" sz="2400">
+              <a:defRPr sz="2400" cap="all" spc="384">
                 <a:solidFill>
                   <a:srgbClr val="55D8FF"/>
                 </a:solidFill>
@@ -938,7 +966,6 @@
             </a:lvl5pPr>
           </a:lstStyle>
           <a:p>
-            <a:pPr/>
             <a:r>
               <a:t>Body Level One</a:t>
             </a:r>
@@ -972,7 +999,9 @@
       <p:sp>
         <p:nvSpPr>
           <p:cNvPr id="104" name="“Type a quote here.”"/>
-          <p:cNvSpPr/>
+          <p:cNvSpPr>
+            <a:spLocks noGrp="1"/>
+          </p:cNvSpPr>
           <p:nvPr>
             <p:ph type="body" sz="quarter" idx="13"/>
           </p:nvPr>
@@ -998,13 +1027,16 @@
               <a:buSzTx/>
               <a:buNone/>
             </a:pPr>
+            <a:endParaRPr/>
           </a:p>
         </p:txBody>
       </p:sp>
       <p:sp>
         <p:nvSpPr>
           <p:cNvPr id="105" name="Slide Number"/>
-          <p:cNvSpPr/>
+          <p:cNvSpPr>
+            <a:spLocks noGrp="1"/>
+          </p:cNvSpPr>
           <p:nvPr>
             <p:ph type="sldNum" sz="quarter" idx="2"/>
           </p:nvPr>
@@ -1018,8 +1050,10 @@
           <a:bodyPr/>
           <a:lstStyle/>
           <a:p>
-            <a:pPr/>
-            <a:fld id="{86CB4B4D-7CA3-9044-876B-883B54F8677D}" type="slidenum"/>
+            <a:fld id="{86CB4B4D-7CA3-9044-876B-883B54F8677D}" type="slidenum">
+              <a:t>‹#›</a:t>
+            </a:fld>
+            <a:endParaRPr/>
           </a:p>
         </p:txBody>
       </p:sp>
@@ -1028,12 +1062,12 @@
   <p:clrMapOvr>
     <a:masterClrMapping/>
   </p:clrMapOvr>
-  <p:transition xmlns:p14="http://schemas.microsoft.com/office/powerpoint/2010/main" spd="med" advClick="1"/>
+  <p:transition spd="med"/>
 </p:sldLayout>
 </file>
 
 <file path=ppt/slideLayouts/slideLayout12.xml><?xml version="1.0" encoding="utf-8"?>
-<p:sldLayout xmlns:a="http://schemas.openxmlformats.org/drawingml/2006/main" xmlns:r="http://schemas.openxmlformats.org/officeDocument/2006/relationships" xmlns:p="http://schemas.openxmlformats.org/presentationml/2006/main" type="tx" showMasterSp="1" showMasterPhAnim="1">
+<p:sldLayout xmlns:a="http://schemas.openxmlformats.org/drawingml/2006/main" xmlns:r="http://schemas.openxmlformats.org/officeDocument/2006/relationships" xmlns:p="http://schemas.openxmlformats.org/presentationml/2006/main" type="tx">
   <p:cSld name="Quote Photo">
     <p:spTree>
       <p:nvGrpSpPr>
@@ -1052,7 +1086,9 @@
       <p:sp>
         <p:nvSpPr>
           <p:cNvPr id="112" name="Body Level One…"/>
-          <p:cNvSpPr/>
+          <p:cNvSpPr>
+            <a:spLocks noGrp="1"/>
+          </p:cNvSpPr>
           <p:nvPr>
             <p:ph type="body" sz="quarter" idx="1"/>
           </p:nvPr>
@@ -1076,7 +1112,7 @@
               <a:buClrTx/>
               <a:buSzTx/>
               <a:buNone/>
-              <a:defRPr cap="all" spc="384" sz="2400">
+              <a:defRPr sz="2400" cap="all" spc="384">
                 <a:solidFill>
                   <a:srgbClr val="55D8FF"/>
                 </a:solidFill>
@@ -1087,7 +1123,7 @@
                 <a:spcPts val="0"/>
               </a:spcBef>
               <a:buClrTx/>
-              <a:defRPr cap="all" spc="384" sz="2400">
+              <a:defRPr sz="2400" cap="all" spc="384">
                 <a:solidFill>
                   <a:srgbClr val="55D8FF"/>
                 </a:solidFill>
@@ -1098,7 +1134,7 @@
                 <a:spcPts val="0"/>
               </a:spcBef>
               <a:buClrTx/>
-              <a:defRPr cap="all" spc="384" sz="2400">
+              <a:defRPr sz="2400" cap="all" spc="384">
                 <a:solidFill>
                   <a:srgbClr val="55D8FF"/>
                 </a:solidFill>
@@ -1109,7 +1145,7 @@
                 <a:spcPts val="0"/>
               </a:spcBef>
               <a:buClrTx/>
-              <a:defRPr cap="all" spc="384" sz="2400">
+              <a:defRPr sz="2400" cap="all" spc="384">
                 <a:solidFill>
                   <a:srgbClr val="55D8FF"/>
                 </a:solidFill>
@@ -1120,7 +1156,7 @@
                 <a:spcPts val="0"/>
               </a:spcBef>
               <a:buClrTx/>
-              <a:defRPr cap="all" spc="384" sz="2400">
+              <a:defRPr sz="2400" cap="all" spc="384">
                 <a:solidFill>
                   <a:srgbClr val="55D8FF"/>
                 </a:solidFill>
@@ -1128,7 +1164,6 @@
             </a:lvl5pPr>
           </a:lstStyle>
           <a:p>
-            <a:pPr/>
             <a:r>
               <a:t>Body Level One</a:t>
             </a:r>
@@ -1162,7 +1197,9 @@
       <p:sp>
         <p:nvSpPr>
           <p:cNvPr id="113" name="“Type a quote here.”"/>
-          <p:cNvSpPr/>
+          <p:cNvSpPr>
+            <a:spLocks noGrp="1"/>
+          </p:cNvSpPr>
           <p:nvPr>
             <p:ph type="body" sz="quarter" idx="13"/>
           </p:nvPr>
@@ -1188,13 +1225,16 @@
               <a:buSzTx/>
               <a:buNone/>
             </a:pPr>
+            <a:endParaRPr/>
           </a:p>
         </p:txBody>
       </p:sp>
       <p:sp>
         <p:nvSpPr>
           <p:cNvPr id="114" name="Image"/>
-          <p:cNvSpPr/>
+          <p:cNvSpPr>
+            <a:spLocks noGrp="1"/>
+          </p:cNvSpPr>
           <p:nvPr>
             <p:ph type="pic" idx="14"/>
           </p:nvPr>
@@ -1214,14 +1254,16 @@
           </a:bodyPr>
           <a:lstStyle/>
           <a:p>
-            <a:pPr/>
+            <a:endParaRPr/>
           </a:p>
         </p:txBody>
       </p:sp>
       <p:sp>
         <p:nvSpPr>
           <p:cNvPr id="115" name="Slide Number"/>
-          <p:cNvSpPr/>
+          <p:cNvSpPr>
+            <a:spLocks noGrp="1"/>
+          </p:cNvSpPr>
           <p:nvPr>
             <p:ph type="sldNum" sz="quarter" idx="2"/>
           </p:nvPr>
@@ -1235,8 +1277,10 @@
           <a:bodyPr/>
           <a:lstStyle/>
           <a:p>
-            <a:pPr/>
-            <a:fld id="{86CB4B4D-7CA3-9044-876B-883B54F8677D}" type="slidenum"/>
+            <a:fld id="{86CB4B4D-7CA3-9044-876B-883B54F8677D}" type="slidenum">
+              <a:t>‹#›</a:t>
+            </a:fld>
+            <a:endParaRPr/>
           </a:p>
         </p:txBody>
       </p:sp>
@@ -1245,12 +1289,12 @@
   <p:clrMapOvr>
     <a:masterClrMapping/>
   </p:clrMapOvr>
-  <p:transition xmlns:p14="http://schemas.microsoft.com/office/powerpoint/2010/main" spd="med" advClick="1"/>
+  <p:transition spd="med"/>
 </p:sldLayout>
 </file>
 
 <file path=ppt/slideLayouts/slideLayout13.xml><?xml version="1.0" encoding="utf-8"?>
-<p:sldLayout xmlns:a="http://schemas.openxmlformats.org/drawingml/2006/main" xmlns:r="http://schemas.openxmlformats.org/officeDocument/2006/relationships" xmlns:p="http://schemas.openxmlformats.org/presentationml/2006/main" type="tx" showMasterSp="1" showMasterPhAnim="1">
+<p:sldLayout xmlns:a="http://schemas.openxmlformats.org/drawingml/2006/main" xmlns:r="http://schemas.openxmlformats.org/officeDocument/2006/relationships" xmlns:p="http://schemas.openxmlformats.org/presentationml/2006/main" type="tx">
   <p:cSld name="Photo">
     <p:spTree>
       <p:nvGrpSpPr>
@@ -1269,7 +1313,9 @@
       <p:sp>
         <p:nvSpPr>
           <p:cNvPr id="122" name="Image"/>
-          <p:cNvSpPr/>
+          <p:cNvSpPr>
+            <a:spLocks noGrp="1"/>
+          </p:cNvSpPr>
           <p:nvPr>
             <p:ph type="pic" idx="13"/>
           </p:nvPr>
@@ -1289,14 +1335,16 @@
           </a:bodyPr>
           <a:lstStyle/>
           <a:p>
-            <a:pPr/>
+            <a:endParaRPr/>
           </a:p>
         </p:txBody>
       </p:sp>
       <p:sp>
         <p:nvSpPr>
           <p:cNvPr id="123" name="Slide Number"/>
-          <p:cNvSpPr/>
+          <p:cNvSpPr>
+            <a:spLocks noGrp="1"/>
+          </p:cNvSpPr>
           <p:nvPr>
             <p:ph type="sldNum" sz="quarter" idx="2"/>
           </p:nvPr>
@@ -1310,8 +1358,10 @@
           <a:bodyPr/>
           <a:lstStyle/>
           <a:p>
-            <a:pPr/>
-            <a:fld id="{86CB4B4D-7CA3-9044-876B-883B54F8677D}" type="slidenum"/>
+            <a:fld id="{86CB4B4D-7CA3-9044-876B-883B54F8677D}" type="slidenum">
+              <a:t>‹#›</a:t>
+            </a:fld>
+            <a:endParaRPr/>
           </a:p>
         </p:txBody>
       </p:sp>
@@ -1320,12 +1370,12 @@
   <p:clrMapOvr>
     <a:masterClrMapping/>
   </p:clrMapOvr>
-  <p:transition xmlns:p14="http://schemas.microsoft.com/office/powerpoint/2010/main" spd="med" advClick="1"/>
+  <p:transition spd="med"/>
 </p:sldLayout>
 </file>
 
 <file path=ppt/slideLayouts/slideLayout14.xml><?xml version="1.0" encoding="utf-8"?>
-<p:sldLayout xmlns:a="http://schemas.openxmlformats.org/drawingml/2006/main" xmlns:r="http://schemas.openxmlformats.org/officeDocument/2006/relationships" xmlns:p="http://schemas.openxmlformats.org/presentationml/2006/main" type="tx" showMasterSp="1" showMasterPhAnim="1">
+<p:sldLayout xmlns:a="http://schemas.openxmlformats.org/drawingml/2006/main" xmlns:r="http://schemas.openxmlformats.org/officeDocument/2006/relationships" xmlns:p="http://schemas.openxmlformats.org/presentationml/2006/main" type="tx">
   <p:cSld name="Blank">
     <p:spTree>
       <p:nvGrpSpPr>
@@ -1344,7 +1394,9 @@
       <p:sp>
         <p:nvSpPr>
           <p:cNvPr id="130" name="Slide Number"/>
-          <p:cNvSpPr/>
+          <p:cNvSpPr>
+            <a:spLocks noGrp="1"/>
+          </p:cNvSpPr>
           <p:nvPr>
             <p:ph type="sldNum" sz="quarter" idx="2"/>
           </p:nvPr>
@@ -1358,8 +1410,10 @@
           <a:bodyPr/>
           <a:lstStyle/>
           <a:p>
-            <a:pPr/>
-            <a:fld id="{86CB4B4D-7CA3-9044-876B-883B54F8677D}" type="slidenum"/>
+            <a:fld id="{86CB4B4D-7CA3-9044-876B-883B54F8677D}" type="slidenum">
+              <a:t>‹#›</a:t>
+            </a:fld>
+            <a:endParaRPr/>
           </a:p>
         </p:txBody>
       </p:sp>
@@ -1368,12 +1422,12 @@
   <p:clrMapOvr>
     <a:masterClrMapping/>
   </p:clrMapOvr>
-  <p:transition xmlns:p14="http://schemas.microsoft.com/office/powerpoint/2010/main" spd="med" advClick="1"/>
+  <p:transition spd="med"/>
 </p:sldLayout>
 </file>
 
 <file path=ppt/slideLayouts/slideLayout2.xml><?xml version="1.0" encoding="utf-8"?>
-<p:sldLayout xmlns:a="http://schemas.openxmlformats.org/drawingml/2006/main" xmlns:r="http://schemas.openxmlformats.org/officeDocument/2006/relationships" xmlns:p="http://schemas.openxmlformats.org/presentationml/2006/main" type="tx" showMasterSp="1" showMasterPhAnim="1">
+<p:sldLayout xmlns:a="http://schemas.openxmlformats.org/drawingml/2006/main" xmlns:r="http://schemas.openxmlformats.org/officeDocument/2006/relationships" xmlns:p="http://schemas.openxmlformats.org/presentationml/2006/main" type="tx">
   <p:cSld name="Photo - Horizontal">
     <p:spTree>
       <p:nvGrpSpPr>
@@ -1392,7 +1446,9 @@
       <p:sp>
         <p:nvSpPr>
           <p:cNvPr id="20" name="Image"/>
-          <p:cNvSpPr/>
+          <p:cNvSpPr>
+            <a:spLocks noGrp="1"/>
+          </p:cNvSpPr>
           <p:nvPr>
             <p:ph type="pic" idx="13"/>
           </p:nvPr>
@@ -1412,14 +1468,16 @@
           </a:bodyPr>
           <a:lstStyle/>
           <a:p>
-            <a:pPr/>
+            <a:endParaRPr/>
           </a:p>
         </p:txBody>
       </p:sp>
       <p:sp>
         <p:nvSpPr>
           <p:cNvPr id="21" name="Title Text"/>
-          <p:cNvSpPr/>
+          <p:cNvSpPr>
+            <a:spLocks noGrp="1"/>
+          </p:cNvSpPr>
           <p:nvPr>
             <p:ph type="title"/>
           </p:nvPr>
@@ -1437,11 +1495,10 @@
           <a:bodyPr/>
           <a:lstStyle>
             <a:lvl1pPr>
-              <a:defRPr spc="992" sz="6200"/>
+              <a:defRPr sz="6200" spc="992"/>
             </a:lvl1pPr>
           </a:lstStyle>
           <a:p>
-            <a:pPr/>
             <a:r>
               <a:t>Title Text</a:t>
             </a:r>
@@ -1451,7 +1508,9 @@
       <p:sp>
         <p:nvSpPr>
           <p:cNvPr id="22" name="Body Level One…"/>
-          <p:cNvSpPr/>
+          <p:cNvSpPr>
+            <a:spLocks noGrp="1"/>
+          </p:cNvSpPr>
           <p:nvPr>
             <p:ph type="body" sz="quarter" idx="1"/>
           </p:nvPr>
@@ -1475,7 +1534,7 @@
               <a:buClrTx/>
               <a:buSzTx/>
               <a:buNone/>
-              <a:defRPr cap="all" spc="384" sz="2400">
+              <a:defRPr sz="2400" cap="all" spc="384">
                 <a:latin typeface="Avenir Book"/>
                 <a:ea typeface="Avenir Book"/>
                 <a:cs typeface="Avenir Book"/>
@@ -1489,7 +1548,7 @@
               <a:buClrTx/>
               <a:buSzTx/>
               <a:buNone/>
-              <a:defRPr cap="all" spc="384" sz="2400">
+              <a:defRPr sz="2400" cap="all" spc="384">
                 <a:latin typeface="Avenir Book"/>
                 <a:ea typeface="Avenir Book"/>
                 <a:cs typeface="Avenir Book"/>
@@ -1503,7 +1562,7 @@
               <a:buClrTx/>
               <a:buSzTx/>
               <a:buNone/>
-              <a:defRPr cap="all" spc="384" sz="2400">
+              <a:defRPr sz="2400" cap="all" spc="384">
                 <a:latin typeface="Avenir Book"/>
                 <a:ea typeface="Avenir Book"/>
                 <a:cs typeface="Avenir Book"/>
@@ -1517,7 +1576,7 @@
               <a:buClrTx/>
               <a:buSzTx/>
               <a:buNone/>
-              <a:defRPr cap="all" spc="384" sz="2400">
+              <a:defRPr sz="2400" cap="all" spc="384">
                 <a:latin typeface="Avenir Book"/>
                 <a:ea typeface="Avenir Book"/>
                 <a:cs typeface="Avenir Book"/>
@@ -1531,7 +1590,7 @@
               <a:buClrTx/>
               <a:buSzTx/>
               <a:buNone/>
-              <a:defRPr cap="all" spc="384" sz="2400">
+              <a:defRPr sz="2400" cap="all" spc="384">
                 <a:latin typeface="Avenir Book"/>
                 <a:ea typeface="Avenir Book"/>
                 <a:cs typeface="Avenir Book"/>
@@ -1540,7 +1599,6 @@
             </a:lvl5pPr>
           </a:lstStyle>
           <a:p>
-            <a:pPr/>
             <a:r>
               <a:t>Body Level One</a:t>
             </a:r>
@@ -1574,7 +1632,9 @@
       <p:sp>
         <p:nvSpPr>
           <p:cNvPr id="23" name="Slide Number"/>
-          <p:cNvSpPr/>
+          <p:cNvSpPr>
+            <a:spLocks noGrp="1"/>
+          </p:cNvSpPr>
           <p:nvPr>
             <p:ph type="sldNum" sz="quarter" idx="2"/>
           </p:nvPr>
@@ -1588,8 +1648,10 @@
           <a:bodyPr/>
           <a:lstStyle/>
           <a:p>
-            <a:pPr/>
-            <a:fld id="{86CB4B4D-7CA3-9044-876B-883B54F8677D}" type="slidenum"/>
+            <a:fld id="{86CB4B4D-7CA3-9044-876B-883B54F8677D}" type="slidenum">
+              <a:t>‹#›</a:t>
+            </a:fld>
+            <a:endParaRPr/>
           </a:p>
         </p:txBody>
       </p:sp>
@@ -1598,12 +1660,12 @@
   <p:clrMapOvr>
     <a:masterClrMapping/>
   </p:clrMapOvr>
-  <p:transition xmlns:p14="http://schemas.microsoft.com/office/powerpoint/2010/main" spd="med" advClick="1"/>
+  <p:transition spd="med"/>
 </p:sldLayout>
 </file>
 
 <file path=ppt/slideLayouts/slideLayout3.xml><?xml version="1.0" encoding="utf-8"?>
-<p:sldLayout xmlns:a="http://schemas.openxmlformats.org/drawingml/2006/main" xmlns:r="http://schemas.openxmlformats.org/officeDocument/2006/relationships" xmlns:p="http://schemas.openxmlformats.org/presentationml/2006/main" type="tx" showMasterSp="1" showMasterPhAnim="1">
+<p:sldLayout xmlns:a="http://schemas.openxmlformats.org/drawingml/2006/main" xmlns:r="http://schemas.openxmlformats.org/officeDocument/2006/relationships" xmlns:p="http://schemas.openxmlformats.org/presentationml/2006/main" type="tx">
   <p:cSld name="Photo - Horizontal Alt">
     <p:spTree>
       <p:nvGrpSpPr>
@@ -1622,7 +1684,9 @@
       <p:sp>
         <p:nvSpPr>
           <p:cNvPr id="30" name="Image"/>
-          <p:cNvSpPr/>
+          <p:cNvSpPr>
+            <a:spLocks noGrp="1"/>
+          </p:cNvSpPr>
           <p:nvPr>
             <p:ph type="pic" idx="13"/>
           </p:nvPr>
@@ -1642,14 +1706,16 @@
           </a:bodyPr>
           <a:lstStyle/>
           <a:p>
-            <a:pPr/>
+            <a:endParaRPr/>
           </a:p>
         </p:txBody>
       </p:sp>
       <p:sp>
         <p:nvSpPr>
           <p:cNvPr id="31" name="Title Text"/>
-          <p:cNvSpPr/>
+          <p:cNvSpPr>
+            <a:spLocks noGrp="1"/>
+          </p:cNvSpPr>
           <p:nvPr>
             <p:ph type="title"/>
           </p:nvPr>
@@ -1667,11 +1733,10 @@
           <a:bodyPr/>
           <a:lstStyle>
             <a:lvl1pPr>
-              <a:defRPr spc="992" sz="6200"/>
+              <a:defRPr sz="6200" spc="992"/>
             </a:lvl1pPr>
           </a:lstStyle>
           <a:p>
-            <a:pPr/>
             <a:r>
               <a:t>Title Text</a:t>
             </a:r>
@@ -1681,7 +1746,9 @@
       <p:sp>
         <p:nvSpPr>
           <p:cNvPr id="32" name="Body Level One…"/>
-          <p:cNvSpPr/>
+          <p:cNvSpPr>
+            <a:spLocks noGrp="1"/>
+          </p:cNvSpPr>
           <p:nvPr>
             <p:ph type="body" sz="quarter" idx="1"/>
           </p:nvPr>
@@ -1705,7 +1772,7 @@
               <a:buClrTx/>
               <a:buSzTx/>
               <a:buNone/>
-              <a:defRPr cap="all" spc="384" sz="2400">
+              <a:defRPr sz="2400" cap="all" spc="384">
                 <a:latin typeface="Avenir Book"/>
                 <a:ea typeface="Avenir Book"/>
                 <a:cs typeface="Avenir Book"/>
@@ -1719,7 +1786,7 @@
               <a:buClrTx/>
               <a:buSzTx/>
               <a:buNone/>
-              <a:defRPr cap="all" spc="384" sz="2400">
+              <a:defRPr sz="2400" cap="all" spc="384">
                 <a:latin typeface="Avenir Book"/>
                 <a:ea typeface="Avenir Book"/>
                 <a:cs typeface="Avenir Book"/>
@@ -1733,7 +1800,7 @@
               <a:buClrTx/>
               <a:buSzTx/>
               <a:buNone/>
-              <a:defRPr cap="all" spc="384" sz="2400">
+              <a:defRPr sz="2400" cap="all" spc="384">
                 <a:latin typeface="Avenir Book"/>
                 <a:ea typeface="Avenir Book"/>
                 <a:cs typeface="Avenir Book"/>
@@ -1747,7 +1814,7 @@
               <a:buClrTx/>
               <a:buSzTx/>
               <a:buNone/>
-              <a:defRPr cap="all" spc="384" sz="2400">
+              <a:defRPr sz="2400" cap="all" spc="384">
                 <a:latin typeface="Avenir Book"/>
                 <a:ea typeface="Avenir Book"/>
                 <a:cs typeface="Avenir Book"/>
@@ -1761,7 +1828,7 @@
               <a:buClrTx/>
               <a:buSzTx/>
               <a:buNone/>
-              <a:defRPr cap="all" spc="384" sz="2400">
+              <a:defRPr sz="2400" cap="all" spc="384">
                 <a:latin typeface="Avenir Book"/>
                 <a:ea typeface="Avenir Book"/>
                 <a:cs typeface="Avenir Book"/>
@@ -1770,7 +1837,6 @@
             </a:lvl5pPr>
           </a:lstStyle>
           <a:p>
-            <a:pPr/>
             <a:r>
               <a:t>Body Level One</a:t>
             </a:r>
@@ -1804,7 +1870,9 @@
       <p:sp>
         <p:nvSpPr>
           <p:cNvPr id="33" name="Slide Number"/>
-          <p:cNvSpPr/>
+          <p:cNvSpPr>
+            <a:spLocks noGrp="1"/>
+          </p:cNvSpPr>
           <p:nvPr>
             <p:ph type="sldNum" sz="quarter" idx="2"/>
           </p:nvPr>
@@ -1818,8 +1886,10 @@
           <a:bodyPr/>
           <a:lstStyle/>
           <a:p>
-            <a:pPr/>
-            <a:fld id="{86CB4B4D-7CA3-9044-876B-883B54F8677D}" type="slidenum"/>
+            <a:fld id="{86CB4B4D-7CA3-9044-876B-883B54F8677D}" type="slidenum">
+              <a:t>‹#›</a:t>
+            </a:fld>
+            <a:endParaRPr/>
           </a:p>
         </p:txBody>
       </p:sp>
@@ -1828,12 +1898,12 @@
   <p:clrMapOvr>
     <a:masterClrMapping/>
   </p:clrMapOvr>
-  <p:transition xmlns:p14="http://schemas.microsoft.com/office/powerpoint/2010/main" spd="med" advClick="1"/>
+  <p:transition spd="med"/>
 </p:sldLayout>
 </file>
 
 <file path=ppt/slideLayouts/slideLayout4.xml><?xml version="1.0" encoding="utf-8"?>
-<p:sldLayout xmlns:a="http://schemas.openxmlformats.org/drawingml/2006/main" xmlns:r="http://schemas.openxmlformats.org/officeDocument/2006/relationships" xmlns:p="http://schemas.openxmlformats.org/presentationml/2006/main" type="tx" showMasterSp="1" showMasterPhAnim="1">
+<p:sldLayout xmlns:a="http://schemas.openxmlformats.org/drawingml/2006/main" xmlns:r="http://schemas.openxmlformats.org/officeDocument/2006/relationships" xmlns:p="http://schemas.openxmlformats.org/presentationml/2006/main" type="tx">
   <p:cSld name="Title - Center">
     <p:spTree>
       <p:nvGrpSpPr>
@@ -1852,7 +1922,9 @@
       <p:sp>
         <p:nvSpPr>
           <p:cNvPr id="40" name="Title Text"/>
-          <p:cNvSpPr/>
+          <p:cNvSpPr>
+            <a:spLocks noGrp="1"/>
+          </p:cNvSpPr>
           <p:nvPr>
             <p:ph type="title"/>
           </p:nvPr>
@@ -1870,11 +1942,10 @@
           <a:bodyPr anchor="ctr"/>
           <a:lstStyle>
             <a:lvl1pPr>
-              <a:defRPr spc="992" sz="6200"/>
+              <a:defRPr sz="6200" spc="992"/>
             </a:lvl1pPr>
           </a:lstStyle>
           <a:p>
-            <a:pPr/>
             <a:r>
               <a:t>Title Text</a:t>
             </a:r>
@@ -1884,7 +1955,9 @@
       <p:sp>
         <p:nvSpPr>
           <p:cNvPr id="41" name="Slide Number"/>
-          <p:cNvSpPr/>
+          <p:cNvSpPr>
+            <a:spLocks noGrp="1"/>
+          </p:cNvSpPr>
           <p:nvPr>
             <p:ph type="sldNum" sz="quarter" idx="2"/>
           </p:nvPr>
@@ -1898,8 +1971,10 @@
           <a:bodyPr/>
           <a:lstStyle/>
           <a:p>
-            <a:pPr/>
-            <a:fld id="{86CB4B4D-7CA3-9044-876B-883B54F8677D}" type="slidenum"/>
+            <a:fld id="{86CB4B4D-7CA3-9044-876B-883B54F8677D}" type="slidenum">
+              <a:t>‹#›</a:t>
+            </a:fld>
+            <a:endParaRPr/>
           </a:p>
         </p:txBody>
       </p:sp>
@@ -1908,12 +1983,12 @@
   <p:clrMapOvr>
     <a:masterClrMapping/>
   </p:clrMapOvr>
-  <p:transition xmlns:p14="http://schemas.microsoft.com/office/powerpoint/2010/main" spd="med" advClick="1"/>
+  <p:transition spd="med"/>
 </p:sldLayout>
 </file>
 
 <file path=ppt/slideLayouts/slideLayout5.xml><?xml version="1.0" encoding="utf-8"?>
-<p:sldLayout xmlns:a="http://schemas.openxmlformats.org/drawingml/2006/main" xmlns:r="http://schemas.openxmlformats.org/officeDocument/2006/relationships" xmlns:p="http://schemas.openxmlformats.org/presentationml/2006/main" type="tx" showMasterSp="1" showMasterPhAnim="1">
+<p:sldLayout xmlns:a="http://schemas.openxmlformats.org/drawingml/2006/main" xmlns:r="http://schemas.openxmlformats.org/officeDocument/2006/relationships" xmlns:p="http://schemas.openxmlformats.org/presentationml/2006/main" type="tx">
   <p:cSld name="Photo - Vertical">
     <p:spTree>
       <p:nvGrpSpPr>
@@ -1932,7 +2007,9 @@
       <p:sp>
         <p:nvSpPr>
           <p:cNvPr id="48" name="Image"/>
-          <p:cNvSpPr/>
+          <p:cNvSpPr>
+            <a:spLocks noGrp="1"/>
+          </p:cNvSpPr>
           <p:nvPr>
             <p:ph type="pic" idx="13"/>
           </p:nvPr>
@@ -1952,14 +2029,16 @@
           </a:bodyPr>
           <a:lstStyle/>
           <a:p>
-            <a:pPr/>
+            <a:endParaRPr/>
           </a:p>
         </p:txBody>
       </p:sp>
       <p:sp>
         <p:nvSpPr>
           <p:cNvPr id="49" name="Title Text"/>
-          <p:cNvSpPr/>
+          <p:cNvSpPr>
+            <a:spLocks noGrp="1"/>
+          </p:cNvSpPr>
           <p:nvPr>
             <p:ph type="title"/>
           </p:nvPr>
@@ -1977,7 +2056,6 @@
           <a:bodyPr/>
           <a:lstStyle/>
           <a:p>
-            <a:pPr/>
             <a:r>
               <a:t>Title Text</a:t>
             </a:r>
@@ -1987,7 +2065,9 @@
       <p:sp>
         <p:nvSpPr>
           <p:cNvPr id="50" name="Body Level One…"/>
-          <p:cNvSpPr/>
+          <p:cNvSpPr>
+            <a:spLocks noGrp="1"/>
+          </p:cNvSpPr>
           <p:nvPr>
             <p:ph type="body" sz="quarter" idx="1"/>
           </p:nvPr>
@@ -2011,7 +2091,7 @@
               <a:buClrTx/>
               <a:buSzTx/>
               <a:buNone/>
-              <a:defRPr cap="all" spc="384" sz="2400">
+              <a:defRPr sz="2400" cap="all" spc="384">
                 <a:solidFill>
                   <a:srgbClr val="55D8FF"/>
                 </a:solidFill>
@@ -2028,7 +2108,7 @@
               <a:buClrTx/>
               <a:buSzTx/>
               <a:buNone/>
-              <a:defRPr cap="all" spc="384" sz="2400">
+              <a:defRPr sz="2400" cap="all" spc="384">
                 <a:solidFill>
                   <a:srgbClr val="55D8FF"/>
                 </a:solidFill>
@@ -2045,7 +2125,7 @@
               <a:buClrTx/>
               <a:buSzTx/>
               <a:buNone/>
-              <a:defRPr cap="all" spc="384" sz="2400">
+              <a:defRPr sz="2400" cap="all" spc="384">
                 <a:solidFill>
                   <a:srgbClr val="55D8FF"/>
                 </a:solidFill>
@@ -2062,7 +2142,7 @@
               <a:buClrTx/>
               <a:buSzTx/>
               <a:buNone/>
-              <a:defRPr cap="all" spc="384" sz="2400">
+              <a:defRPr sz="2400" cap="all" spc="384">
                 <a:solidFill>
                   <a:srgbClr val="55D8FF"/>
                 </a:solidFill>
@@ -2079,7 +2159,7 @@
               <a:buClrTx/>
               <a:buSzTx/>
               <a:buNone/>
-              <a:defRPr cap="all" spc="384" sz="2400">
+              <a:defRPr sz="2400" cap="all" spc="384">
                 <a:solidFill>
                   <a:srgbClr val="55D8FF"/>
                 </a:solidFill>
@@ -2091,7 +2171,6 @@
             </a:lvl5pPr>
           </a:lstStyle>
           <a:p>
-            <a:pPr/>
             <a:r>
               <a:t>Body Level One</a:t>
             </a:r>
@@ -2125,7 +2204,9 @@
       <p:sp>
         <p:nvSpPr>
           <p:cNvPr id="51" name="Slide Number"/>
-          <p:cNvSpPr/>
+          <p:cNvSpPr>
+            <a:spLocks noGrp="1"/>
+          </p:cNvSpPr>
           <p:nvPr>
             <p:ph type="sldNum" sz="quarter" idx="2"/>
           </p:nvPr>
@@ -2139,8 +2220,10 @@
           <a:bodyPr/>
           <a:lstStyle/>
           <a:p>
-            <a:pPr/>
-            <a:fld id="{86CB4B4D-7CA3-9044-876B-883B54F8677D}" type="slidenum"/>
+            <a:fld id="{86CB4B4D-7CA3-9044-876B-883B54F8677D}" type="slidenum">
+              <a:t>‹#›</a:t>
+            </a:fld>
+            <a:endParaRPr/>
           </a:p>
         </p:txBody>
       </p:sp>
@@ -2149,12 +2232,12 @@
   <p:clrMapOvr>
     <a:masterClrMapping/>
   </p:clrMapOvr>
-  <p:transition xmlns:p14="http://schemas.microsoft.com/office/powerpoint/2010/main" spd="med" advClick="1"/>
+  <p:transition spd="med"/>
 </p:sldLayout>
 </file>
 
 <file path=ppt/slideLayouts/slideLayout6.xml><?xml version="1.0" encoding="utf-8"?>
-<p:sldLayout xmlns:a="http://schemas.openxmlformats.org/drawingml/2006/main" xmlns:r="http://schemas.openxmlformats.org/officeDocument/2006/relationships" xmlns:p="http://schemas.openxmlformats.org/presentationml/2006/main" type="tx" showMasterSp="1" showMasterPhAnim="1">
+<p:sldLayout xmlns:a="http://schemas.openxmlformats.org/drawingml/2006/main" xmlns:r="http://schemas.openxmlformats.org/officeDocument/2006/relationships" xmlns:p="http://schemas.openxmlformats.org/presentationml/2006/main" type="tx">
   <p:cSld name="Title - Top">
     <p:spTree>
       <p:nvGrpSpPr>
@@ -2173,7 +2256,9 @@
       <p:sp>
         <p:nvSpPr>
           <p:cNvPr id="58" name="Title Text"/>
-          <p:cNvSpPr/>
+          <p:cNvSpPr>
+            <a:spLocks noGrp="1"/>
+          </p:cNvSpPr>
           <p:nvPr>
             <p:ph type="title"/>
           </p:nvPr>
@@ -2187,7 +2272,6 @@
           <a:bodyPr/>
           <a:lstStyle/>
           <a:p>
-            <a:pPr/>
             <a:r>
               <a:t>Title Text</a:t>
             </a:r>
@@ -2197,7 +2281,9 @@
       <p:sp>
         <p:nvSpPr>
           <p:cNvPr id="59" name="Slide Number"/>
-          <p:cNvSpPr/>
+          <p:cNvSpPr>
+            <a:spLocks noGrp="1"/>
+          </p:cNvSpPr>
           <p:nvPr>
             <p:ph type="sldNum" sz="quarter" idx="2"/>
           </p:nvPr>
@@ -2211,8 +2297,10 @@
           <a:bodyPr/>
           <a:lstStyle/>
           <a:p>
-            <a:pPr/>
-            <a:fld id="{86CB4B4D-7CA3-9044-876B-883B54F8677D}" type="slidenum"/>
+            <a:fld id="{86CB4B4D-7CA3-9044-876B-883B54F8677D}" type="slidenum">
+              <a:t>‹#›</a:t>
+            </a:fld>
+            <a:endParaRPr/>
           </a:p>
         </p:txBody>
       </p:sp>
@@ -2221,12 +2309,12 @@
   <p:clrMapOvr>
     <a:masterClrMapping/>
   </p:clrMapOvr>
-  <p:transition xmlns:p14="http://schemas.microsoft.com/office/powerpoint/2010/main" spd="med" advClick="1"/>
+  <p:transition spd="med"/>
 </p:sldLayout>
 </file>
 
 <file path=ppt/slideLayouts/slideLayout7.xml><?xml version="1.0" encoding="utf-8"?>
-<p:sldLayout xmlns:a="http://schemas.openxmlformats.org/drawingml/2006/main" xmlns:r="http://schemas.openxmlformats.org/officeDocument/2006/relationships" xmlns:p="http://schemas.openxmlformats.org/presentationml/2006/main" type="tx" showMasterSp="1" showMasterPhAnim="1">
+<p:sldLayout xmlns:a="http://schemas.openxmlformats.org/drawingml/2006/main" xmlns:r="http://schemas.openxmlformats.org/officeDocument/2006/relationships" xmlns:p="http://schemas.openxmlformats.org/presentationml/2006/main" type="tx">
   <p:cSld name="Title &amp; Bullets">
     <p:spTree>
       <p:nvGrpSpPr>
@@ -2245,7 +2333,9 @@
       <p:sp>
         <p:nvSpPr>
           <p:cNvPr id="66" name="Title Text"/>
-          <p:cNvSpPr/>
+          <p:cNvSpPr>
+            <a:spLocks noGrp="1"/>
+          </p:cNvSpPr>
           <p:nvPr>
             <p:ph type="title"/>
           </p:nvPr>
@@ -2259,7 +2349,6 @@
           <a:bodyPr/>
           <a:lstStyle/>
           <a:p>
-            <a:pPr/>
             <a:r>
               <a:t>Title Text</a:t>
             </a:r>
@@ -2269,7 +2358,9 @@
       <p:sp>
         <p:nvSpPr>
           <p:cNvPr id="67" name="Body Level One…"/>
-          <p:cNvSpPr/>
+          <p:cNvSpPr>
+            <a:spLocks noGrp="1"/>
+          </p:cNvSpPr>
           <p:nvPr>
             <p:ph type="body" idx="1"/>
           </p:nvPr>
@@ -2283,7 +2374,6 @@
           <a:bodyPr/>
           <a:lstStyle/>
           <a:p>
-            <a:pPr/>
             <a:r>
               <a:t>Body Level One</a:t>
             </a:r>
@@ -2317,7 +2407,9 @@
       <p:sp>
         <p:nvSpPr>
           <p:cNvPr id="68" name="Slide Number"/>
-          <p:cNvSpPr/>
+          <p:cNvSpPr>
+            <a:spLocks noGrp="1"/>
+          </p:cNvSpPr>
           <p:nvPr>
             <p:ph type="sldNum" sz="quarter" idx="2"/>
           </p:nvPr>
@@ -2331,8 +2423,10 @@
           <a:bodyPr/>
           <a:lstStyle/>
           <a:p>
-            <a:pPr/>
-            <a:fld id="{86CB4B4D-7CA3-9044-876B-883B54F8677D}" type="slidenum"/>
+            <a:fld id="{86CB4B4D-7CA3-9044-876B-883B54F8677D}" type="slidenum">
+              <a:t>‹#›</a:t>
+            </a:fld>
+            <a:endParaRPr/>
           </a:p>
         </p:txBody>
       </p:sp>
@@ -2341,12 +2435,12 @@
   <p:clrMapOvr>
     <a:masterClrMapping/>
   </p:clrMapOvr>
-  <p:transition xmlns:p14="http://schemas.microsoft.com/office/powerpoint/2010/main" spd="med" advClick="1"/>
+  <p:transition spd="med"/>
 </p:sldLayout>
 </file>
 
 <file path=ppt/slideLayouts/slideLayout8.xml><?xml version="1.0" encoding="utf-8"?>
-<p:sldLayout xmlns:a="http://schemas.openxmlformats.org/drawingml/2006/main" xmlns:r="http://schemas.openxmlformats.org/officeDocument/2006/relationships" xmlns:p="http://schemas.openxmlformats.org/presentationml/2006/main" type="tx" showMasterSp="1" showMasterPhAnim="1">
+<p:sldLayout xmlns:a="http://schemas.openxmlformats.org/drawingml/2006/main" xmlns:r="http://schemas.openxmlformats.org/officeDocument/2006/relationships" xmlns:p="http://schemas.openxmlformats.org/presentationml/2006/main" type="tx">
   <p:cSld name="Title, Bullets &amp; Photo">
     <p:spTree>
       <p:nvGrpSpPr>
@@ -2365,7 +2459,9 @@
       <p:sp>
         <p:nvSpPr>
           <p:cNvPr id="75" name="Image"/>
-          <p:cNvSpPr/>
+          <p:cNvSpPr>
+            <a:spLocks noGrp="1"/>
+          </p:cNvSpPr>
           <p:nvPr>
             <p:ph type="pic" idx="13"/>
           </p:nvPr>
@@ -2385,14 +2481,16 @@
           </a:bodyPr>
           <a:lstStyle/>
           <a:p>
-            <a:pPr/>
+            <a:endParaRPr/>
           </a:p>
         </p:txBody>
       </p:sp>
       <p:sp>
         <p:nvSpPr>
           <p:cNvPr id="76" name="Title Text"/>
-          <p:cNvSpPr/>
+          <p:cNvSpPr>
+            <a:spLocks noGrp="1"/>
+          </p:cNvSpPr>
           <p:nvPr>
             <p:ph type="title"/>
           </p:nvPr>
@@ -2410,7 +2508,6 @@
           <a:bodyPr/>
           <a:lstStyle/>
           <a:p>
-            <a:pPr/>
             <a:r>
               <a:t>Title Text</a:t>
             </a:r>
@@ -2420,7 +2517,9 @@
       <p:sp>
         <p:nvSpPr>
           <p:cNvPr id="77" name="Body Level One…"/>
-          <p:cNvSpPr/>
+          <p:cNvSpPr>
+            <a:spLocks noGrp="1"/>
+          </p:cNvSpPr>
           <p:nvPr>
             <p:ph type="body" sz="half" idx="1"/>
           </p:nvPr>
@@ -2469,7 +2568,6 @@
             </a:lvl5pPr>
           </a:lstStyle>
           <a:p>
-            <a:pPr/>
             <a:r>
               <a:t>Body Level One</a:t>
             </a:r>
@@ -2503,7 +2601,9 @@
       <p:sp>
         <p:nvSpPr>
           <p:cNvPr id="78" name="Slide Number"/>
-          <p:cNvSpPr/>
+          <p:cNvSpPr>
+            <a:spLocks noGrp="1"/>
+          </p:cNvSpPr>
           <p:nvPr>
             <p:ph type="sldNum" sz="quarter" idx="2"/>
           </p:nvPr>
@@ -2517,8 +2617,10 @@
           <a:bodyPr/>
           <a:lstStyle/>
           <a:p>
-            <a:pPr/>
-            <a:fld id="{86CB4B4D-7CA3-9044-876B-883B54F8677D}" type="slidenum"/>
+            <a:fld id="{86CB4B4D-7CA3-9044-876B-883B54F8677D}" type="slidenum">
+              <a:t>‹#›</a:t>
+            </a:fld>
+            <a:endParaRPr/>
           </a:p>
         </p:txBody>
       </p:sp>
@@ -2527,12 +2629,12 @@
   <p:clrMapOvr>
     <a:masterClrMapping/>
   </p:clrMapOvr>
-  <p:transition xmlns:p14="http://schemas.microsoft.com/office/powerpoint/2010/main" spd="med" advClick="1"/>
+  <p:transition spd="med"/>
 </p:sldLayout>
 </file>
 
 <file path=ppt/slideLayouts/slideLayout9.xml><?xml version="1.0" encoding="utf-8"?>
-<p:sldLayout xmlns:a="http://schemas.openxmlformats.org/drawingml/2006/main" xmlns:r="http://schemas.openxmlformats.org/officeDocument/2006/relationships" xmlns:p="http://schemas.openxmlformats.org/presentationml/2006/main" type="tx" showMasterSp="1" showMasterPhAnim="1">
+<p:sldLayout xmlns:a="http://schemas.openxmlformats.org/drawingml/2006/main" xmlns:r="http://schemas.openxmlformats.org/officeDocument/2006/relationships" xmlns:p="http://schemas.openxmlformats.org/presentationml/2006/main" type="tx">
   <p:cSld name="Bullets">
     <p:spTree>
       <p:nvGrpSpPr>
@@ -2551,7 +2653,9 @@
       <p:sp>
         <p:nvSpPr>
           <p:cNvPr id="85" name="Body Level One…"/>
-          <p:cNvSpPr/>
+          <p:cNvSpPr>
+            <a:spLocks noGrp="1"/>
+          </p:cNvSpPr>
           <p:nvPr>
             <p:ph type="body" idx="1"/>
           </p:nvPr>
@@ -2569,7 +2673,6 @@
           <a:bodyPr/>
           <a:lstStyle/>
           <a:p>
-            <a:pPr/>
             <a:r>
               <a:t>Body Level One</a:t>
             </a:r>
@@ -2603,7 +2706,9 @@
       <p:sp>
         <p:nvSpPr>
           <p:cNvPr id="86" name="Slide Number"/>
-          <p:cNvSpPr/>
+          <p:cNvSpPr>
+            <a:spLocks noGrp="1"/>
+          </p:cNvSpPr>
           <p:nvPr>
             <p:ph type="sldNum" sz="quarter" idx="2"/>
           </p:nvPr>
@@ -2617,8 +2722,10 @@
           <a:bodyPr/>
           <a:lstStyle/>
           <a:p>
-            <a:pPr/>
-            <a:fld id="{86CB4B4D-7CA3-9044-876B-883B54F8677D}" type="slidenum"/>
+            <a:fld id="{86CB4B4D-7CA3-9044-876B-883B54F8677D}" type="slidenum">
+              <a:t>‹#›</a:t>
+            </a:fld>
+            <a:endParaRPr/>
           </a:p>
         </p:txBody>
       </p:sp>
@@ -2627,7 +2734,7 @@
   <p:clrMapOvr>
     <a:masterClrMapping/>
   </p:clrMapOvr>
-  <p:transition xmlns:p14="http://schemas.microsoft.com/office/powerpoint/2010/main" spd="med" advClick="1"/>
+  <p:transition spd="med"/>
 </p:sldLayout>
 </file>
 
@@ -2639,6 +2746,7 @@
         <a:solidFill>
           <a:srgbClr val="000000"/>
         </a:solidFill>
+        <a:effectLst/>
       </p:bgPr>
     </p:bg>
     <p:spTree>
@@ -2658,7 +2766,9 @@
       <p:sp>
         <p:nvSpPr>
           <p:cNvPr id="2" name="Title Text"/>
-          <p:cNvSpPr/>
+          <p:cNvSpPr>
+            <a:spLocks noGrp="1"/>
+          </p:cNvSpPr>
           <p:nvPr>
             <p:ph type="title"/>
           </p:nvPr>
@@ -2676,17 +2786,16 @@
           </a:ln>
           <a:extLst>
             <a:ext uri="{C572A759-6A51-4108-AA02-DFA0A04FC94B}">
-              <ma14:wrappingTextBoxFlag xmlns:ma14="http://schemas.microsoft.com/office/mac/drawingml/2011/main" val="1"/>
+              <ma14:wrappingTextBoxFlag xmlns:ma14="http://schemas.microsoft.com/office/mac/drawingml/2011/main" xmlns="" val="1"/>
             </a:ext>
           </a:extLst>
         </p:spPr>
         <p:txBody>
           <a:bodyPr lIns="50800" tIns="50800" rIns="50800" bIns="50800">
-            <a:normAutofit fontScale="100000" lnSpcReduction="0"/>
+            <a:normAutofit/>
           </a:bodyPr>
           <a:lstStyle/>
           <a:p>
-            <a:pPr/>
             <a:r>
               <a:t>Title Text</a:t>
             </a:r>
@@ -2696,7 +2805,9 @@
       <p:sp>
         <p:nvSpPr>
           <p:cNvPr id="3" name="Body Level One…"/>
-          <p:cNvSpPr/>
+          <p:cNvSpPr>
+            <a:spLocks noGrp="1"/>
+          </p:cNvSpPr>
           <p:nvPr>
             <p:ph type="body" idx="1"/>
           </p:nvPr>
@@ -2714,17 +2825,16 @@
           </a:ln>
           <a:extLst>
             <a:ext uri="{C572A759-6A51-4108-AA02-DFA0A04FC94B}">
-              <ma14:wrappingTextBoxFlag xmlns:ma14="http://schemas.microsoft.com/office/mac/drawingml/2011/main" val="1"/>
+              <ma14:wrappingTextBoxFlag xmlns:ma14="http://schemas.microsoft.com/office/mac/drawingml/2011/main" xmlns="" val="1"/>
             </a:ext>
           </a:extLst>
         </p:spPr>
         <p:txBody>
           <a:bodyPr lIns="50800" tIns="50800" rIns="50800" bIns="50800" anchor="ctr">
-            <a:normAutofit fontScale="100000" lnSpcReduction="0"/>
+            <a:normAutofit/>
           </a:bodyPr>
           <a:lstStyle/>
           <a:p>
-            <a:pPr/>
             <a:r>
               <a:t>Body Level One</a:t>
             </a:r>
@@ -2758,7 +2868,9 @@
       <p:sp>
         <p:nvSpPr>
           <p:cNvPr id="4" name="Slide Number"/>
-          <p:cNvSpPr/>
+          <p:cNvSpPr>
+            <a:spLocks noGrp="1"/>
+          </p:cNvSpPr>
           <p:nvPr>
             <p:ph type="sldNum" sz="quarter" idx="2"/>
           </p:nvPr>
@@ -2789,8 +2901,10 @@
             </a:lvl1pPr>
           </a:lstStyle>
           <a:p>
-            <a:pPr/>
-            <a:fld id="{86CB4B4D-7CA3-9044-876B-883B54F8677D}" type="slidenum"/>
+            <a:fld id="{86CB4B4D-7CA3-9044-876B-883B54F8677D}" type="slidenum">
+              <a:t>‹#›</a:t>
+            </a:fld>
+            <a:endParaRPr/>
           </a:p>
         </p:txBody>
       </p:sp>
@@ -2798,22 +2912,22 @@
   </p:cSld>
   <p:clrMap bg1="lt1" tx1="dk1" bg2="lt2" tx2="dk2" accent1="accent1" accent2="accent2" accent3="accent3" accent4="accent4" accent5="accent5" accent6="accent6" hlink="hlink" folHlink="folHlink"/>
   <p:sldLayoutIdLst>
-    <p:sldLayoutId id="2147483649" r:id="rId2"/>
-    <p:sldLayoutId id="2147483650" r:id="rId3"/>
-    <p:sldLayoutId id="2147483651" r:id="rId4"/>
-    <p:sldLayoutId id="2147483652" r:id="rId5"/>
-    <p:sldLayoutId id="2147483653" r:id="rId6"/>
-    <p:sldLayoutId id="2147483654" r:id="rId7"/>
-    <p:sldLayoutId id="2147483655" r:id="rId8"/>
-    <p:sldLayoutId id="2147483656" r:id="rId9"/>
-    <p:sldLayoutId id="2147483657" r:id="rId10"/>
-    <p:sldLayoutId id="2147483658" r:id="rId11"/>
-    <p:sldLayoutId id="2147483659" r:id="rId12"/>
-    <p:sldLayoutId id="2147483660" r:id="rId13"/>
-    <p:sldLayoutId id="2147483661" r:id="rId14"/>
-    <p:sldLayoutId id="2147483662" r:id="rId15"/>
+    <p:sldLayoutId id="2147483649" r:id="rId1"/>
+    <p:sldLayoutId id="2147483650" r:id="rId2"/>
+    <p:sldLayoutId id="2147483651" r:id="rId3"/>
+    <p:sldLayoutId id="2147483652" r:id="rId4"/>
+    <p:sldLayoutId id="2147483653" r:id="rId5"/>
+    <p:sldLayoutId id="2147483654" r:id="rId6"/>
+    <p:sldLayoutId id="2147483655" r:id="rId7"/>
+    <p:sldLayoutId id="2147483656" r:id="rId8"/>
+    <p:sldLayoutId id="2147483657" r:id="rId9"/>
+    <p:sldLayoutId id="2147483658" r:id="rId10"/>
+    <p:sldLayoutId id="2147483659" r:id="rId11"/>
+    <p:sldLayoutId id="2147483660" r:id="rId12"/>
+    <p:sldLayoutId id="2147483661" r:id="rId13"/>
+    <p:sldLayoutId id="2147483662" r:id="rId14"/>
   </p:sldLayoutIdLst>
-  <p:transition xmlns:p14="http://schemas.microsoft.com/office/powerpoint/2010/main" spd="med" advClick="1"/>
+  <p:transition spd="med"/>
   <p:txStyles>
     <p:titleStyle>
       <a:lvl1pPr marL="0" marR="0" indent="0" algn="l" defTabSz="584200" rtl="0" latinLnBrk="0">
@@ -2831,7 +2945,7 @@
         <a:buFontTx/>
         <a:buNone/>
         <a:tabLst/>
-        <a:defRPr b="0" baseline="0" cap="all" i="0" spc="720" strike="noStrike" sz="4500" u="none">
+        <a:defRPr sz="4500" b="0" i="0" u="none" strike="noStrike" cap="all" spc="720" baseline="0">
           <a:ln>
             <a:noFill/>
           </a:ln>
@@ -2860,7 +2974,7 @@
         <a:buFontTx/>
         <a:buNone/>
         <a:tabLst/>
-        <a:defRPr b="0" baseline="0" cap="all" i="0" spc="720" strike="noStrike" sz="4500" u="none">
+        <a:defRPr sz="4500" b="0" i="0" u="none" strike="noStrike" cap="all" spc="720" baseline="0">
           <a:ln>
             <a:noFill/>
           </a:ln>
@@ -2889,7 +3003,7 @@
         <a:buFontTx/>
         <a:buNone/>
         <a:tabLst/>
-        <a:defRPr b="0" baseline="0" cap="all" i="0" spc="720" strike="noStrike" sz="4500" u="none">
+        <a:defRPr sz="4500" b="0" i="0" u="none" strike="noStrike" cap="all" spc="720" baseline="0">
           <a:ln>
             <a:noFill/>
           </a:ln>
@@ -2918,7 +3032,7 @@
         <a:buFontTx/>
         <a:buNone/>
         <a:tabLst/>
-        <a:defRPr b="0" baseline="0" cap="all" i="0" spc="720" strike="noStrike" sz="4500" u="none">
+        <a:defRPr sz="4500" b="0" i="0" u="none" strike="noStrike" cap="all" spc="720" baseline="0">
           <a:ln>
             <a:noFill/>
           </a:ln>
@@ -2947,7 +3061,7 @@
         <a:buFontTx/>
         <a:buNone/>
         <a:tabLst/>
-        <a:defRPr b="0" baseline="0" cap="all" i="0" spc="720" strike="noStrike" sz="4500" u="none">
+        <a:defRPr sz="4500" b="0" i="0" u="none" strike="noStrike" cap="all" spc="720" baseline="0">
           <a:ln>
             <a:noFill/>
           </a:ln>
@@ -2976,7 +3090,7 @@
         <a:buFontTx/>
         <a:buNone/>
         <a:tabLst/>
-        <a:defRPr b="0" baseline="0" cap="all" i="0" spc="720" strike="noStrike" sz="4500" u="none">
+        <a:defRPr sz="4500" b="0" i="0" u="none" strike="noStrike" cap="all" spc="720" baseline="0">
           <a:ln>
             <a:noFill/>
           </a:ln>
@@ -3005,7 +3119,7 @@
         <a:buFontTx/>
         <a:buNone/>
         <a:tabLst/>
-        <a:defRPr b="0" baseline="0" cap="all" i="0" spc="720" strike="noStrike" sz="4500" u="none">
+        <a:defRPr sz="4500" b="0" i="0" u="none" strike="noStrike" cap="all" spc="720" baseline="0">
           <a:ln>
             <a:noFill/>
           </a:ln>
@@ -3034,7 +3148,7 @@
         <a:buFontTx/>
         <a:buNone/>
         <a:tabLst/>
-        <a:defRPr b="0" baseline="0" cap="all" i="0" spc="720" strike="noStrike" sz="4500" u="none">
+        <a:defRPr sz="4500" b="0" i="0" u="none" strike="noStrike" cap="all" spc="720" baseline="0">
           <a:ln>
             <a:noFill/>
           </a:ln>
@@ -3063,7 +3177,7 @@
         <a:buFontTx/>
         <a:buNone/>
         <a:tabLst/>
-        <a:defRPr b="0" baseline="0" cap="all" i="0" spc="720" strike="noStrike" sz="4500" u="none">
+        <a:defRPr sz="4500" b="0" i="0" u="none" strike="noStrike" cap="all" spc="720" baseline="0">
           <a:ln>
             <a:noFill/>
           </a:ln>
@@ -3096,7 +3210,7 @@
         <a:buFontTx/>
         <a:buChar char="•"/>
         <a:tabLst/>
-        <a:defRPr b="0" baseline="0" cap="none" i="0" spc="0" strike="noStrike" sz="3600" u="none">
+        <a:defRPr sz="3600" b="0" i="0" u="none" strike="noStrike" cap="none" spc="0" baseline="0">
           <a:ln>
             <a:noFill/>
           </a:ln>
@@ -3127,7 +3241,7 @@
         <a:buFontTx/>
         <a:buChar char="•"/>
         <a:tabLst/>
-        <a:defRPr b="0" baseline="0" cap="none" i="0" spc="0" strike="noStrike" sz="3600" u="none">
+        <a:defRPr sz="3600" b="0" i="0" u="none" strike="noStrike" cap="none" spc="0" baseline="0">
           <a:ln>
             <a:noFill/>
           </a:ln>
@@ -3158,7 +3272,7 @@
         <a:buFontTx/>
         <a:buChar char="•"/>
         <a:tabLst/>
-        <a:defRPr b="0" baseline="0" cap="none" i="0" spc="0" strike="noStrike" sz="3600" u="none">
+        <a:defRPr sz="3600" b="0" i="0" u="none" strike="noStrike" cap="none" spc="0" baseline="0">
           <a:ln>
             <a:noFill/>
           </a:ln>
@@ -3189,7 +3303,7 @@
         <a:buFontTx/>
         <a:buChar char="•"/>
         <a:tabLst/>
-        <a:defRPr b="0" baseline="0" cap="none" i="0" spc="0" strike="noStrike" sz="3600" u="none">
+        <a:defRPr sz="3600" b="0" i="0" u="none" strike="noStrike" cap="none" spc="0" baseline="0">
           <a:ln>
             <a:noFill/>
           </a:ln>
@@ -3220,7 +3334,7 @@
         <a:buFontTx/>
         <a:buChar char="•"/>
         <a:tabLst/>
-        <a:defRPr b="0" baseline="0" cap="none" i="0" spc="0" strike="noStrike" sz="3600" u="none">
+        <a:defRPr sz="3600" b="0" i="0" u="none" strike="noStrike" cap="none" spc="0" baseline="0">
           <a:ln>
             <a:noFill/>
           </a:ln>
@@ -3251,7 +3365,7 @@
         <a:buFontTx/>
         <a:buChar char="•"/>
         <a:tabLst/>
-        <a:defRPr b="0" baseline="0" cap="none" i="0" spc="0" strike="noStrike" sz="3600" u="none">
+        <a:defRPr sz="3600" b="0" i="0" u="none" strike="noStrike" cap="none" spc="0" baseline="0">
           <a:ln>
             <a:noFill/>
           </a:ln>
@@ -3282,7 +3396,7 @@
         <a:buFontTx/>
         <a:buChar char="•"/>
         <a:tabLst/>
-        <a:defRPr b="0" baseline="0" cap="none" i="0" spc="0" strike="noStrike" sz="3600" u="none">
+        <a:defRPr sz="3600" b="0" i="0" u="none" strike="noStrike" cap="none" spc="0" baseline="0">
           <a:ln>
             <a:noFill/>
           </a:ln>
@@ -3313,7 +3427,7 @@
         <a:buFontTx/>
         <a:buChar char="•"/>
         <a:tabLst/>
-        <a:defRPr b="0" baseline="0" cap="none" i="0" spc="0" strike="noStrike" sz="3600" u="none">
+        <a:defRPr sz="3600" b="0" i="0" u="none" strike="noStrike" cap="none" spc="0" baseline="0">
           <a:ln>
             <a:noFill/>
           </a:ln>
@@ -3344,7 +3458,7 @@
         <a:buFontTx/>
         <a:buChar char="•"/>
         <a:tabLst/>
-        <a:defRPr b="0" baseline="0" cap="none" i="0" spc="0" strike="noStrike" sz="3600" u="none">
+        <a:defRPr sz="3600" b="0" i="0" u="none" strike="noStrike" cap="none" spc="0" baseline="0">
           <a:ln>
             <a:noFill/>
           </a:ln>
@@ -3375,7 +3489,7 @@
         <a:buFontTx/>
         <a:buNone/>
         <a:tabLst/>
-        <a:defRPr b="0" baseline="0" cap="none" i="0" spc="0" strike="noStrike" sz="1800" u="none">
+        <a:defRPr sz="1800" b="0" i="0" u="none" strike="noStrike" cap="none" spc="0" baseline="0">
           <a:ln>
             <a:noFill/>
           </a:ln>
@@ -3404,7 +3518,7 @@
         <a:buFontTx/>
         <a:buNone/>
         <a:tabLst/>
-        <a:defRPr b="0" baseline="0" cap="none" i="0" spc="0" strike="noStrike" sz="1800" u="none">
+        <a:defRPr sz="1800" b="0" i="0" u="none" strike="noStrike" cap="none" spc="0" baseline="0">
           <a:ln>
             <a:noFill/>
           </a:ln>
@@ -3433,7 +3547,7 @@
         <a:buFontTx/>
         <a:buNone/>
         <a:tabLst/>
-        <a:defRPr b="0" baseline="0" cap="none" i="0" spc="0" strike="noStrike" sz="1800" u="none">
+        <a:defRPr sz="1800" b="0" i="0" u="none" strike="noStrike" cap="none" spc="0" baseline="0">
           <a:ln>
             <a:noFill/>
           </a:ln>
@@ -3462,7 +3576,7 @@
         <a:buFontTx/>
         <a:buNone/>
         <a:tabLst/>
-        <a:defRPr b="0" baseline="0" cap="none" i="0" spc="0" strike="noStrike" sz="1800" u="none">
+        <a:defRPr sz="1800" b="0" i="0" u="none" strike="noStrike" cap="none" spc="0" baseline="0">
           <a:ln>
             <a:noFill/>
           </a:ln>
@@ -3491,7 +3605,7 @@
         <a:buFontTx/>
         <a:buNone/>
         <a:tabLst/>
-        <a:defRPr b="0" baseline="0" cap="none" i="0" spc="0" strike="noStrike" sz="1800" u="none">
+        <a:defRPr sz="1800" b="0" i="0" u="none" strike="noStrike" cap="none" spc="0" baseline="0">
           <a:ln>
             <a:noFill/>
           </a:ln>
@@ -3520,7 +3634,7 @@
         <a:buFontTx/>
         <a:buNone/>
         <a:tabLst/>
-        <a:defRPr b="0" baseline="0" cap="none" i="0" spc="0" strike="noStrike" sz="1800" u="none">
+        <a:defRPr sz="1800" b="0" i="0" u="none" strike="noStrike" cap="none" spc="0" baseline="0">
           <a:ln>
             <a:noFill/>
           </a:ln>
@@ -3549,7 +3663,7 @@
         <a:buFontTx/>
         <a:buNone/>
         <a:tabLst/>
-        <a:defRPr b="0" baseline="0" cap="none" i="0" spc="0" strike="noStrike" sz="1800" u="none">
+        <a:defRPr sz="1800" b="0" i="0" u="none" strike="noStrike" cap="none" spc="0" baseline="0">
           <a:ln>
             <a:noFill/>
           </a:ln>
@@ -3578,7 +3692,7 @@
         <a:buFontTx/>
         <a:buNone/>
         <a:tabLst/>
-        <a:defRPr b="0" baseline="0" cap="none" i="0" spc="0" strike="noStrike" sz="1800" u="none">
+        <a:defRPr sz="1800" b="0" i="0" u="none" strike="noStrike" cap="none" spc="0" baseline="0">
           <a:ln>
             <a:noFill/>
           </a:ln>
@@ -3607,7 +3721,7 @@
         <a:buFontTx/>
         <a:buNone/>
         <a:tabLst/>
-        <a:defRPr b="0" baseline="0" cap="none" i="0" spc="0" strike="noStrike" sz="1800" u="none">
+        <a:defRPr sz="1800" b="0" i="0" u="none" strike="noStrike" cap="none" spc="0" baseline="0">
           <a:ln>
             <a:noFill/>
           </a:ln>
@@ -3627,13 +3741,14 @@
 </file>
 
 <file path=ppt/slides/slide1.xml><?xml version="1.0" encoding="utf-8"?>
-<p:sld xmlns:a="http://schemas.openxmlformats.org/drawingml/2006/main" xmlns:r="http://schemas.openxmlformats.org/officeDocument/2006/relationships" xmlns:p="http://schemas.openxmlformats.org/presentationml/2006/main" showMasterSp="1" showMasterPhAnim="1">
+<p:sld xmlns:a="http://schemas.openxmlformats.org/drawingml/2006/main" xmlns:r="http://schemas.openxmlformats.org/officeDocument/2006/relationships" xmlns:p="http://schemas.openxmlformats.org/presentationml/2006/main">
   <p:cSld>
     <p:bg>
       <p:bgPr>
         <a:solidFill>
           <a:srgbClr val="FFFFFF"/>
         </a:solidFill>
+        <a:effectLst/>
       </p:bgPr>
     </p:bg>
     <p:spTree>
@@ -3653,7 +3768,9 @@
       <p:sp>
         <p:nvSpPr>
           <p:cNvPr id="139" name="Title"/>
-          <p:cNvSpPr/>
+          <p:cNvSpPr>
+            <a:spLocks noGrp="1"/>
+          </p:cNvSpPr>
           <p:nvPr>
             <p:ph type="ctrTitle"/>
           </p:nvPr>
@@ -3700,7 +3817,7 @@
               <a:spcBef>
                 <a:spcPts val="3200"/>
               </a:spcBef>
-              <a:defRPr cap="none" spc="0" sz="3600">
+              <a:defRPr sz="3600" cap="none" spc="0">
                 <a:solidFill>
                   <a:schemeClr val="accent5"/>
                 </a:solidFill>
@@ -3712,7 +3829,6 @@
             </a:lvl1pPr>
           </a:lstStyle>
           <a:p>
-            <a:pPr/>
             <a:r>
               <a:t>Lin Ambar</a:t>
             </a:r>
@@ -3722,7 +3838,9 @@
       <p:sp>
         <p:nvSpPr>
           <p:cNvPr id="140" name="Body"/>
-          <p:cNvSpPr/>
+          <p:cNvSpPr>
+            <a:spLocks noGrp="1"/>
+          </p:cNvSpPr>
           <p:nvPr>
             <p:ph type="subTitle" sz="quarter" idx="1"/>
           </p:nvPr>
@@ -3766,7 +3884,7 @@
           <a:bodyPr anchor="ctr"/>
           <a:lstStyle>
             <a:lvl1pPr algn="ctr">
-              <a:defRPr b="1" cap="none" spc="0" sz="4000">
+              <a:defRPr sz="4000" b="1" cap="none" spc="0">
                 <a:solidFill>
                   <a:schemeClr val="accent5"/>
                 </a:solidFill>
@@ -3810,7 +3928,9 @@
       <p:sp>
         <p:nvSpPr>
           <p:cNvPr id="141" name="Slide Number"/>
-          <p:cNvSpPr/>
+          <p:cNvSpPr>
+            <a:spLocks noGrp="1"/>
+          </p:cNvSpPr>
           <p:nvPr>
             <p:ph type="sldNum" sz="quarter" idx="2"/>
           </p:nvPr>
@@ -3825,7 +3945,7 @@
           </a:prstGeom>
           <a:extLst>
             <a:ext uri="{C572A759-6A51-4108-AA02-DFA0A04FC94B}">
-              <ma14:wrappingTextBoxFlag xmlns:ma14="http://schemas.microsoft.com/office/mac/drawingml/2011/main" val="1"/>
+              <ma14:wrappingTextBoxFlag xmlns:ma14="http://schemas.microsoft.com/office/mac/drawingml/2011/main" xmlns="" val="1"/>
             </a:ext>
           </a:extLst>
         </p:spPr>
@@ -3833,8 +3953,10 @@
           <a:bodyPr/>
           <a:lstStyle/>
           <a:p>
-            <a:pPr/>
-            <a:fld id="{86CB4B4D-7CA3-9044-876B-883B54F8677D}" type="slidenum"/>
+            <a:fld id="{86CB4B4D-7CA3-9044-876B-883B54F8677D}" type="slidenum">
+              <a:t>1</a:t>
+            </a:fld>
+            <a:endParaRPr/>
           </a:p>
         </p:txBody>
       </p:sp>
@@ -3843,14 +3965,14 @@
   <p:clrMapOvr>
     <a:masterClrMapping/>
   </p:clrMapOvr>
-  <p:transition xmlns:p14="http://schemas.microsoft.com/office/powerpoint/2010/main" spd="med" advClick="1"/>
+  <p:transition spd="med"/>
   <p:timing>
     <p:tnLst>
       <p:par>
-        <p:cTn id="1" nodeType="tmRoot" restart="never" dur="indefinite" fill="hold">
+        <p:cTn id="1" dur="indefinite" restart="never" fill="hold" nodeType="tmRoot">
           <p:childTnLst>
             <p:seq concurrent="1" prevAc="none" nextAc="seek">
-              <p:cTn id="2" nodeType="mainSeq" dur="indefinite" fill="hold">
+              <p:cTn id="2" dur="indefinite" fill="hold" nodeType="mainSeq">
                 <p:childTnLst>
                   <p:par>
                     <p:cTn id="3" fill="hold">
@@ -3865,11 +3987,11 @@
                             </p:stCondLst>
                             <p:childTnLst>
                               <p:par>
-                                <p:cTn id="5" presetClass="entr" nodeType="clickEffect" presetSubtype="8" presetID="2" grpId="1" fill="hold">
+                                <p:cTn id="5" presetID="2" presetClass="entr" presetSubtype="8" fill="hold" grpId="1" nodeType="clickEffect">
                                   <p:stCondLst>
                                     <p:cond delay="0"/>
                                   </p:stCondLst>
-                                  <p:iterate type="lt" backwards="0">
+                                  <p:iterate type="lt">
                                     <p:tmAbs val="0"/>
                                   </p:iterate>
                                   <p:childTnLst>
@@ -3955,11 +4077,11 @@
                             </p:stCondLst>
                             <p:childTnLst>
                               <p:par>
-                                <p:cTn id="11" presetClass="entr" nodeType="clickEffect" presetSubtype="8" presetID="2" grpId="2" fill="hold">
+                                <p:cTn id="11" presetID="2" presetClass="entr" presetSubtype="8" fill="hold" grpId="2" nodeType="clickEffect">
                                   <p:stCondLst>
                                     <p:cond delay="0"/>
                                   </p:stCondLst>
-                                  <p:iterate type="lt" backwards="0">
+                                  <p:iterate type="lt">
                                     <p:tmAbs val="0"/>
                                   </p:iterate>
                                   <p:childTnLst>
@@ -4035,14 +4157,14 @@
                 </p:childTnLst>
               </p:cTn>
               <p:prevCondLst>
-                <p:cond evt="onPrev">
+                <p:cond evt="onPrev" delay="0">
                   <p:tgtEl>
                     <p:sldTgt/>
                   </p:tgtEl>
                 </p:cond>
               </p:prevCondLst>
               <p:nextCondLst>
-                <p:cond evt="onNext">
+                <p:cond evt="onNext" delay="0">
                   <p:tgtEl>
                     <p:sldTgt/>
                   </p:tgtEl>
@@ -4054,21 +4176,22 @@
       </p:par>
     </p:tnLst>
     <p:bldLst>
-      <p:bldP build="whole" bldLvl="1" animBg="1" rev="0" advAuto="0" spid="140" grpId="1"/>
-      <p:bldP build="whole" bldLvl="1" animBg="1" rev="0" advAuto="0" spid="139" grpId="2"/>
+      <p:bldP spid="139" grpId="2" animBg="1" advAuto="0"/>
+      <p:bldP spid="140" grpId="1" animBg="1" advAuto="0"/>
     </p:bldLst>
   </p:timing>
 </p:sld>
 </file>
 
 <file path=ppt/slides/slide2.xml><?xml version="1.0" encoding="utf-8"?>
-<p:sld xmlns:a="http://schemas.openxmlformats.org/drawingml/2006/main" xmlns:r="http://schemas.openxmlformats.org/officeDocument/2006/relationships" xmlns:p="http://schemas.openxmlformats.org/presentationml/2006/main" showMasterSp="1" showMasterPhAnim="1">
+<p:sld xmlns:a="http://schemas.openxmlformats.org/drawingml/2006/main" xmlns:r="http://schemas.openxmlformats.org/officeDocument/2006/relationships" xmlns:p="http://schemas.openxmlformats.org/presentationml/2006/main">
   <p:cSld>
     <p:bg>
       <p:bgPr>
         <a:solidFill>
           <a:srgbClr val="FFFFFF"/>
         </a:solidFill>
+        <a:effectLst/>
       </p:bgPr>
     </p:bg>
     <p:spTree>
@@ -4088,7 +4211,9 @@
       <p:sp>
         <p:nvSpPr>
           <p:cNvPr id="143" name="WORLD FOOD"/>
-          <p:cNvSpPr/>
+          <p:cNvSpPr>
+            <a:spLocks noGrp="1"/>
+          </p:cNvSpPr>
           <p:nvPr>
             <p:ph type="title"/>
           </p:nvPr>
@@ -4125,7 +4250,7 @@
           <a:bodyPr lIns="63500" tIns="63500" rIns="63500" bIns="63500" anchor="ctr"/>
           <a:lstStyle>
             <a:lvl1pPr algn="ctr">
-              <a:defRPr cap="none" spc="0" sz="4000">
+              <a:defRPr sz="4000" cap="none" spc="0">
                 <a:solidFill>
                   <a:schemeClr val="accent5">
                     <a:lumOff val="-8588"/>
@@ -4139,7 +4264,6 @@
             </a:lvl1pPr>
           </a:lstStyle>
           <a:p>
-            <a:pPr/>
             <a:r>
               <a:t>WORLD FOOD</a:t>
             </a:r>
@@ -4149,7 +4273,9 @@
       <p:sp>
         <p:nvSpPr>
           <p:cNvPr id="144" name="Food…"/>
-          <p:cNvSpPr/>
+          <p:cNvSpPr>
+            <a:spLocks noGrp="1"/>
+          </p:cNvSpPr>
           <p:nvPr>
             <p:ph type="body" idx="1"/>
           </p:nvPr>
@@ -4197,7 +4323,7 @@
               <a:buClrTx/>
               <a:buSzTx/>
               <a:buNone/>
-              <a:defRPr b="1" i="1" sz="2400">
+              <a:defRPr sz="2400" b="1" i="1">
                 <a:solidFill>
                   <a:srgbClr val="000000"/>
                 </a:solidFill>
@@ -4229,6 +4355,7 @@
                 <a:sym typeface="Arial"/>
               </a:defRPr>
             </a:pPr>
+            <a:endParaRPr/>
           </a:p>
           <a:p>
             <a:pPr marL="0" indent="0" algn="ctr">
@@ -4270,6 +4397,7 @@
                 <a:sym typeface="Arial"/>
               </a:defRPr>
             </a:pPr>
+            <a:endParaRPr/>
           </a:p>
           <a:p>
             <a:pPr marL="0" indent="0" algn="ctr">
@@ -4298,7 +4426,9 @@
       <p:sp>
         <p:nvSpPr>
           <p:cNvPr id="145" name="Slide Number"/>
-          <p:cNvSpPr/>
+          <p:cNvSpPr>
+            <a:spLocks noGrp="1"/>
+          </p:cNvSpPr>
           <p:nvPr>
             <p:ph type="sldNum" sz="quarter" idx="2"/>
           </p:nvPr>
@@ -4313,7 +4443,7 @@
           </a:prstGeom>
           <a:extLst>
             <a:ext uri="{C572A759-6A51-4108-AA02-DFA0A04FC94B}">
-              <ma14:wrappingTextBoxFlag xmlns:ma14="http://schemas.microsoft.com/office/mac/drawingml/2011/main" val="1"/>
+              <ma14:wrappingTextBoxFlag xmlns:ma14="http://schemas.microsoft.com/office/mac/drawingml/2011/main" xmlns="" val="1"/>
             </a:ext>
           </a:extLst>
         </p:spPr>
@@ -4321,8 +4451,10 @@
           <a:bodyPr/>
           <a:lstStyle/>
           <a:p>
-            <a:pPr/>
-            <a:fld id="{86CB4B4D-7CA3-9044-876B-883B54F8677D}" type="slidenum"/>
+            <a:fld id="{86CB4B4D-7CA3-9044-876B-883B54F8677D}" type="slidenum">
+              <a:t>2</a:t>
+            </a:fld>
+            <a:endParaRPr/>
           </a:p>
         </p:txBody>
       </p:sp>
@@ -4331,14 +4463,14 @@
   <p:clrMapOvr>
     <a:masterClrMapping/>
   </p:clrMapOvr>
-  <p:transition xmlns:p14="http://schemas.microsoft.com/office/powerpoint/2010/main" spd="med" advClick="1"/>
+  <p:transition spd="med"/>
   <p:timing>
     <p:tnLst>
       <p:par>
-        <p:cTn id="1" nodeType="tmRoot" restart="never" dur="indefinite" fill="hold">
+        <p:cTn id="1" dur="indefinite" restart="never" fill="hold" nodeType="tmRoot">
           <p:childTnLst>
             <p:seq concurrent="1" prevAc="none" nextAc="seek">
-              <p:cTn id="2" nodeType="mainSeq" dur="indefinite" fill="hold">
+              <p:cTn id="2" dur="indefinite" fill="hold" nodeType="mainSeq">
                 <p:childTnLst>
                   <p:par>
                     <p:cTn id="3" fill="hold">
@@ -4353,11 +4485,11 @@
                             </p:stCondLst>
                             <p:childTnLst>
                               <p:par>
-                                <p:cTn id="5" presetClass="entr" nodeType="clickEffect" presetSubtype="8" presetID="2" grpId="1" fill="hold">
+                                <p:cTn id="5" presetID="2" presetClass="entr" presetSubtype="8" fill="hold" grpId="1" nodeType="clickEffect">
                                   <p:stCondLst>
                                     <p:cond delay="0"/>
                                   </p:stCondLst>
-                                  <p:iterate type="lt" backwards="0">
+                                  <p:iterate type="lt">
                                     <p:tmAbs val="0"/>
                                   </p:iterate>
                                   <p:childTnLst>
@@ -4443,11 +4575,11 @@
                             </p:stCondLst>
                             <p:childTnLst>
                               <p:par>
-                                <p:cTn id="11" presetClass="entr" nodeType="clickEffect" presetSubtype="8" presetID="2" grpId="2" fill="hold">
+                                <p:cTn id="11" presetID="2" presetClass="entr" presetSubtype="8" fill="hold" grpId="2" nodeType="clickEffect">
                                   <p:stCondLst>
                                     <p:cond delay="0"/>
                                   </p:stCondLst>
-                                  <p:iterate type="lt" backwards="0">
+                                  <p:iterate type="lt">
                                     <p:tmAbs val="0"/>
                                   </p:iterate>
                                   <p:childTnLst>
@@ -4523,14 +4655,14 @@
                 </p:childTnLst>
               </p:cTn>
               <p:prevCondLst>
-                <p:cond evt="onPrev">
+                <p:cond evt="onPrev" delay="0">
                   <p:tgtEl>
                     <p:sldTgt/>
                   </p:tgtEl>
                 </p:cond>
               </p:prevCondLst>
               <p:nextCondLst>
-                <p:cond evt="onNext">
+                <p:cond evt="onNext" delay="0">
                   <p:tgtEl>
                     <p:sldTgt/>
                   </p:tgtEl>
@@ -4542,21 +4674,22 @@
       </p:par>
     </p:tnLst>
     <p:bldLst>
-      <p:bldP build="whole" bldLvl="1" animBg="1" rev="0" advAuto="0" spid="143" grpId="1"/>
-      <p:bldP build="whole" bldLvl="1" animBg="1" rev="0" advAuto="0" spid="144" grpId="2"/>
+      <p:bldP spid="143" grpId="1" animBg="1" advAuto="0"/>
+      <p:bldP spid="144" grpId="2" animBg="1" advAuto="0"/>
     </p:bldLst>
   </p:timing>
 </p:sld>
 </file>
 
 <file path=ppt/slides/slide3.xml><?xml version="1.0" encoding="utf-8"?>
-<p:sld xmlns:a="http://schemas.openxmlformats.org/drawingml/2006/main" xmlns:r="http://schemas.openxmlformats.org/officeDocument/2006/relationships" xmlns:p="http://schemas.openxmlformats.org/presentationml/2006/main" showMasterSp="1" showMasterPhAnim="1">
+<p:sld xmlns:a="http://schemas.openxmlformats.org/drawingml/2006/main" xmlns:r="http://schemas.openxmlformats.org/officeDocument/2006/relationships" xmlns:p="http://schemas.openxmlformats.org/presentationml/2006/main">
   <p:cSld>
     <p:bg>
       <p:bgPr>
         <a:solidFill>
           <a:srgbClr val="FFFFFF"/>
         </a:solidFill>
+        <a:effectLst/>
       </p:bgPr>
     </p:bg>
     <p:spTree>
@@ -4576,7 +4709,9 @@
       <p:sp>
         <p:nvSpPr>
           <p:cNvPr id="147" name="WHY I MADE THIS WEBSITE"/>
-          <p:cNvSpPr/>
+          <p:cNvSpPr>
+            <a:spLocks noGrp="1"/>
+          </p:cNvSpPr>
           <p:nvPr>
             <p:ph type="title"/>
           </p:nvPr>
@@ -4613,7 +4748,7 @@
           <a:bodyPr lIns="63500" tIns="63500" rIns="63500" bIns="63500" anchor="ctr"/>
           <a:lstStyle>
             <a:lvl1pPr algn="ctr">
-              <a:defRPr cap="none" spc="0" sz="4000">
+              <a:defRPr sz="4000" cap="none" spc="0">
                 <a:solidFill>
                   <a:schemeClr val="accent5">
                     <a:lumOff val="-8588"/>
@@ -4627,7 +4762,6 @@
             </a:lvl1pPr>
           </a:lstStyle>
           <a:p>
-            <a:pPr/>
             <a:r>
               <a:t>WHY I MADE THIS WEBSITE</a:t>
             </a:r>
@@ -4637,7 +4771,9 @@
       <p:sp>
         <p:nvSpPr>
           <p:cNvPr id="148" name="I like various types of food…"/>
-          <p:cNvSpPr/>
+          <p:cNvSpPr>
+            <a:spLocks noGrp="1"/>
+          </p:cNvSpPr>
           <p:nvPr>
             <p:ph type="body" idx="1"/>
           </p:nvPr>
@@ -4684,13 +4820,13 @@
           <a:bodyPr/>
           <a:lstStyle/>
           <a:p>
-            <a:pPr lvl="6" marL="2466473" indent="-180473">
+            <a:pPr marL="2466473" lvl="6" indent="-180473">
               <a:spcBef>
                 <a:spcPts val="0"/>
               </a:spcBef>
               <a:buClrTx/>
               <a:buSzPct val="100000"/>
-              <a:defRPr i="1" sz="1800">
+              <a:defRPr sz="1800" i="1">
                 <a:solidFill>
                   <a:schemeClr val="accent5">
                     <a:lumOff val="-8588"/>
@@ -4707,13 +4843,13 @@
             </a:r>
           </a:p>
           <a:p>
-            <a:pPr lvl="6" marL="2466473" indent="-180473">
+            <a:pPr marL="2466473" lvl="6" indent="-180473">
               <a:spcBef>
                 <a:spcPts val="0"/>
               </a:spcBef>
               <a:buClrTx/>
               <a:buSzPct val="100000"/>
-              <a:defRPr i="1" sz="1800">
+              <a:defRPr sz="1800" i="1">
                 <a:solidFill>
                   <a:schemeClr val="accent5">
                     <a:lumOff val="-8588"/>
@@ -4725,15 +4861,16 @@
                 <a:sym typeface="Arial"/>
               </a:defRPr>
             </a:pPr>
-          </a:p>
-          <a:p>
-            <a:pPr lvl="6" marL="2466473" indent="-180473">
+            <a:endParaRPr/>
+          </a:p>
+          <a:p>
+            <a:pPr marL="2466473" lvl="6" indent="-180473">
               <a:spcBef>
                 <a:spcPts val="0"/>
               </a:spcBef>
               <a:buClrTx/>
               <a:buSzPct val="100000"/>
-              <a:defRPr i="1" sz="1800">
+              <a:defRPr sz="1800" i="1">
                 <a:solidFill>
                   <a:schemeClr val="accent5">
                     <a:lumOff val="-8588"/>
@@ -4750,13 +4887,13 @@
             </a:r>
           </a:p>
           <a:p>
-            <a:pPr lvl="6" marL="2466473" indent="-180473">
+            <a:pPr marL="2466473" lvl="6" indent="-180473">
               <a:spcBef>
                 <a:spcPts val="0"/>
               </a:spcBef>
               <a:buClrTx/>
               <a:buSzPct val="100000"/>
-              <a:defRPr i="1" sz="1800">
+              <a:defRPr sz="1800" i="1">
                 <a:solidFill>
                   <a:schemeClr val="accent5">
                     <a:lumOff val="-8588"/>
@@ -4768,15 +4905,16 @@
                 <a:sym typeface="Arial"/>
               </a:defRPr>
             </a:pPr>
-          </a:p>
-          <a:p>
-            <a:pPr lvl="6" marL="2466473" indent="-180473">
+            <a:endParaRPr/>
+          </a:p>
+          <a:p>
+            <a:pPr marL="2466473" lvl="6" indent="-180473">
               <a:spcBef>
                 <a:spcPts val="0"/>
               </a:spcBef>
               <a:buClrTx/>
               <a:buSzPct val="100000"/>
-              <a:defRPr i="1" sz="1800">
+              <a:defRPr sz="1800" i="1">
                 <a:solidFill>
                   <a:schemeClr val="accent5">
                     <a:lumOff val="-8588"/>
@@ -4793,13 +4931,13 @@
             </a:r>
           </a:p>
           <a:p>
-            <a:pPr lvl="6" marL="2466473" indent="-180473">
+            <a:pPr marL="2466473" lvl="6" indent="-180473">
               <a:spcBef>
                 <a:spcPts val="0"/>
               </a:spcBef>
               <a:buClrTx/>
               <a:buSzPct val="100000"/>
-              <a:defRPr i="1" sz="1800">
+              <a:defRPr sz="1800" i="1">
                 <a:solidFill>
                   <a:schemeClr val="accent5">
                     <a:lumOff val="-8588"/>
@@ -4811,15 +4949,16 @@
                 <a:sym typeface="Arial"/>
               </a:defRPr>
             </a:pPr>
-          </a:p>
-          <a:p>
-            <a:pPr lvl="6" marL="2466473" indent="-180473">
+            <a:endParaRPr/>
+          </a:p>
+          <a:p>
+            <a:pPr marL="2466473" lvl="6" indent="-180473">
               <a:spcBef>
                 <a:spcPts val="0"/>
               </a:spcBef>
               <a:buClrTx/>
               <a:buSzPct val="100000"/>
-              <a:defRPr i="1" sz="1800">
+              <a:defRPr sz="1800" i="1">
                 <a:solidFill>
                   <a:schemeClr val="accent5">
                     <a:lumOff val="-8588"/>
@@ -4836,13 +4975,13 @@
             </a:r>
           </a:p>
           <a:p>
-            <a:pPr lvl="6" marL="2466473" indent="-180473">
+            <a:pPr marL="2466473" lvl="6" indent="-180473">
               <a:spcBef>
                 <a:spcPts val="0"/>
               </a:spcBef>
               <a:buClrTx/>
               <a:buSzPct val="100000"/>
-              <a:defRPr i="1" sz="1800">
+              <a:defRPr sz="1800" i="1">
                 <a:solidFill>
                   <a:schemeClr val="accent5">
                     <a:lumOff val="-8588"/>
@@ -4854,15 +4993,16 @@
                 <a:sym typeface="Arial"/>
               </a:defRPr>
             </a:pPr>
-          </a:p>
-          <a:p>
-            <a:pPr lvl="6" marL="2466473" indent="-180473">
+            <a:endParaRPr/>
+          </a:p>
+          <a:p>
+            <a:pPr marL="2466473" lvl="6" indent="-180473">
               <a:spcBef>
                 <a:spcPts val="0"/>
               </a:spcBef>
               <a:buClrTx/>
               <a:buSzPct val="100000"/>
-              <a:defRPr i="1" sz="1800">
+              <a:defRPr sz="1800" i="1">
                 <a:solidFill>
                   <a:schemeClr val="accent5">
                     <a:lumOff val="-8588"/>
@@ -4883,7 +5023,9 @@
       <p:sp>
         <p:nvSpPr>
           <p:cNvPr id="149" name="Slide Number"/>
-          <p:cNvSpPr/>
+          <p:cNvSpPr>
+            <a:spLocks noGrp="1"/>
+          </p:cNvSpPr>
           <p:nvPr>
             <p:ph type="sldNum" sz="quarter" idx="2"/>
           </p:nvPr>
@@ -4898,7 +5040,7 @@
           </a:prstGeom>
           <a:extLst>
             <a:ext uri="{C572A759-6A51-4108-AA02-DFA0A04FC94B}">
-              <ma14:wrappingTextBoxFlag xmlns:ma14="http://schemas.microsoft.com/office/mac/drawingml/2011/main" val="1"/>
+              <ma14:wrappingTextBoxFlag xmlns:ma14="http://schemas.microsoft.com/office/mac/drawingml/2011/main" xmlns="" val="1"/>
             </a:ext>
           </a:extLst>
         </p:spPr>
@@ -4906,8 +5048,10 @@
           <a:bodyPr/>
           <a:lstStyle/>
           <a:p>
-            <a:pPr/>
-            <a:fld id="{86CB4B4D-7CA3-9044-876B-883B54F8677D}" type="slidenum"/>
+            <a:fld id="{86CB4B4D-7CA3-9044-876B-883B54F8677D}" type="slidenum">
+              <a:t>3</a:t>
+            </a:fld>
+            <a:endParaRPr/>
           </a:p>
         </p:txBody>
       </p:sp>
@@ -4916,14 +5060,14 @@
   <p:clrMapOvr>
     <a:masterClrMapping/>
   </p:clrMapOvr>
-  <p:transition xmlns:p14="http://schemas.microsoft.com/office/powerpoint/2010/main" spd="med" advClick="1"/>
+  <p:transition spd="med"/>
   <p:timing>
     <p:tnLst>
       <p:par>
-        <p:cTn id="1" nodeType="tmRoot" restart="never" dur="indefinite" fill="hold">
+        <p:cTn id="1" dur="indefinite" restart="never" fill="hold" nodeType="tmRoot">
           <p:childTnLst>
             <p:seq concurrent="1" prevAc="none" nextAc="seek">
-              <p:cTn id="2" nodeType="mainSeq" dur="indefinite" fill="hold">
+              <p:cTn id="2" dur="indefinite" fill="hold" nodeType="mainSeq">
                 <p:childTnLst>
                   <p:par>
                     <p:cTn id="3" fill="hold">
@@ -4938,11 +5082,11 @@
                             </p:stCondLst>
                             <p:childTnLst>
                               <p:par>
-                                <p:cTn id="5" presetClass="entr" nodeType="clickEffect" presetSubtype="0" presetID="15" grpId="1" fill="hold">
+                                <p:cTn id="5" presetID="15" presetClass="entr" presetSubtype="0" fill="hold" grpId="1" nodeType="clickEffect">
                                   <p:stCondLst>
                                     <p:cond delay="0"/>
                                   </p:stCondLst>
-                                  <p:iterate type="el" backwards="0">
+                                  <p:iterate>
                                     <p:tmAbs val="0"/>
                                   </p:iterate>
                                   <p:childTnLst>
@@ -5074,11 +5218,11 @@
                             </p:stCondLst>
                             <p:childTnLst>
                               <p:par>
-                                <p:cTn id="13" presetClass="entr" nodeType="clickEffect" presetSubtype="32" presetID="23" grpId="2" fill="hold">
+                                <p:cTn id="13" presetID="23" presetClass="entr" presetSubtype="32" fill="hold" grpId="2" nodeType="clickEffect">
                                   <p:stCondLst>
                                     <p:cond delay="0"/>
                                   </p:stCondLst>
-                                  <p:iterate type="el" backwards="0">
+                                  <p:iterate>
                                     <p:tmAbs val="0"/>
                                   </p:iterate>
                                   <p:childTnLst>
@@ -5154,14 +5298,14 @@
                 </p:childTnLst>
               </p:cTn>
               <p:prevCondLst>
-                <p:cond evt="onPrev">
+                <p:cond evt="onPrev" delay="0">
                   <p:tgtEl>
                     <p:sldTgt/>
                   </p:tgtEl>
                 </p:cond>
               </p:prevCondLst>
               <p:nextCondLst>
-                <p:cond evt="onNext">
+                <p:cond evt="onNext" delay="0">
                   <p:tgtEl>
                     <p:sldTgt/>
                   </p:tgtEl>
@@ -5173,21 +5317,22 @@
       </p:par>
     </p:tnLst>
     <p:bldLst>
-      <p:bldP build="whole" bldLvl="1" animBg="1" rev="0" advAuto="0" spid="147" grpId="1"/>
-      <p:bldP build="whole" bldLvl="1" animBg="1" rev="0" advAuto="0" spid="148" grpId="2"/>
+      <p:bldP spid="147" grpId="1" animBg="1" advAuto="0"/>
+      <p:bldP spid="148" grpId="2" animBg="1" advAuto="0"/>
     </p:bldLst>
   </p:timing>
 </p:sld>
 </file>
 
 <file path=ppt/slides/slide4.xml><?xml version="1.0" encoding="utf-8"?>
-<p:sld xmlns:a="http://schemas.openxmlformats.org/drawingml/2006/main" xmlns:r="http://schemas.openxmlformats.org/officeDocument/2006/relationships" xmlns:p="http://schemas.openxmlformats.org/presentationml/2006/main" showMasterSp="1" showMasterPhAnim="1">
+<p:sld xmlns:a="http://schemas.openxmlformats.org/drawingml/2006/main" xmlns:r="http://schemas.openxmlformats.org/officeDocument/2006/relationships" xmlns:p="http://schemas.openxmlformats.org/presentationml/2006/main">
   <p:cSld>
     <p:bg>
       <p:bgPr>
         <a:solidFill>
           <a:srgbClr val="FFFFFF"/>
         </a:solidFill>
+        <a:effectLst/>
       </p:bgPr>
     </p:bg>
     <p:spTree>
@@ -5207,7 +5352,9 @@
       <p:sp>
         <p:nvSpPr>
           <p:cNvPr id="151" name="HOW I MADE THE WEBSITE"/>
-          <p:cNvSpPr/>
+          <p:cNvSpPr>
+            <a:spLocks noGrp="1"/>
+          </p:cNvSpPr>
           <p:nvPr>
             <p:ph type="title"/>
           </p:nvPr>
@@ -5244,7 +5391,7 @@
           <a:bodyPr lIns="63500" tIns="63500" rIns="63500" bIns="63500" anchor="ctr"/>
           <a:lstStyle>
             <a:lvl1pPr algn="ctr">
-              <a:defRPr cap="none" spc="0" sz="4000">
+              <a:defRPr sz="4000" cap="none" spc="0">
                 <a:solidFill>
                   <a:schemeClr val="accent5">
                     <a:lumOff val="-8588"/>
@@ -5258,7 +5405,6 @@
             </a:lvl1pPr>
           </a:lstStyle>
           <a:p>
-            <a:pPr/>
             <a:r>
               <a:t>HOW I MADE THE WEBSITE</a:t>
             </a:r>
@@ -5268,7 +5414,9 @@
       <p:sp>
         <p:nvSpPr>
           <p:cNvPr id="152" name="I used HTML to create the content and CSS to stylise the website using tools and instruction from class…"/>
-          <p:cNvSpPr/>
+          <p:cNvSpPr>
+            <a:spLocks noGrp="1"/>
+          </p:cNvSpPr>
           <p:nvPr>
             <p:ph type="body" idx="1"/>
           </p:nvPr>
@@ -5315,13 +5463,13 @@
           <a:bodyPr/>
           <a:lstStyle/>
           <a:p>
-            <a:pPr lvl="3" marL="1323473" indent="-180473">
+            <a:pPr marL="1323473" lvl="3" indent="-180473">
               <a:spcBef>
                 <a:spcPts val="0"/>
               </a:spcBef>
               <a:buClrTx/>
               <a:buSzPct val="100000"/>
-              <a:defRPr i="1" sz="1800">
+              <a:defRPr sz="1800" i="1">
                 <a:solidFill>
                   <a:schemeClr val="accent5">
                     <a:lumOff val="-8588"/>
@@ -5338,14 +5486,14 @@
             </a:r>
           </a:p>
           <a:p>
-            <a:pPr lvl="3" marL="0" indent="0">
+            <a:pPr marL="0" lvl="3" indent="0">
               <a:spcBef>
                 <a:spcPts val="0"/>
               </a:spcBef>
               <a:buClrTx/>
               <a:buSzTx/>
               <a:buNone/>
-              <a:defRPr i="1" sz="1800">
+              <a:defRPr sz="1800" i="1">
                 <a:solidFill>
                   <a:schemeClr val="accent5">
                     <a:lumOff val="-8588"/>
@@ -5357,15 +5505,16 @@
                 <a:sym typeface="Arial"/>
               </a:defRPr>
             </a:pPr>
-          </a:p>
-          <a:p>
-            <a:pPr lvl="3" marL="1323473" indent="-180473">
+            <a:endParaRPr/>
+          </a:p>
+          <a:p>
+            <a:pPr marL="1323473" lvl="3" indent="-180473">
               <a:spcBef>
                 <a:spcPts val="0"/>
               </a:spcBef>
               <a:buClrTx/>
               <a:buSzPct val="100000"/>
-              <a:defRPr i="1" sz="1800">
+              <a:defRPr sz="1800" i="1">
                 <a:solidFill>
                   <a:schemeClr val="accent5">
                     <a:lumOff val="-8588"/>
@@ -5382,14 +5531,14 @@
             </a:r>
           </a:p>
           <a:p>
-            <a:pPr lvl="6" marL="0" indent="0">
+            <a:pPr marL="0" lvl="6" indent="0">
               <a:spcBef>
                 <a:spcPts val="0"/>
               </a:spcBef>
               <a:buClrTx/>
               <a:buSzTx/>
               <a:buNone/>
-              <a:defRPr i="1" sz="1800">
+              <a:defRPr sz="1800" i="1">
                 <a:solidFill>
                   <a:schemeClr val="accent5">
                     <a:lumOff val="-8588"/>
@@ -5401,16 +5550,17 @@
                 <a:sym typeface="Arial"/>
               </a:defRPr>
             </a:pPr>
-          </a:p>
-          <a:p>
-            <a:pPr lvl="6" marL="0" indent="0">
+            <a:endParaRPr/>
+          </a:p>
+          <a:p>
+            <a:pPr marL="0" lvl="6" indent="0">
               <a:spcBef>
                 <a:spcPts val="0"/>
               </a:spcBef>
               <a:buClrTx/>
               <a:buSzTx/>
               <a:buNone/>
-              <a:defRPr i="1" sz="1000">
+              <a:defRPr sz="1000" i="1">
                 <a:solidFill>
                   <a:schemeClr val="accent5">
                     <a:lumOff val="-8588"/>
@@ -5427,14 +5577,14 @@
             </a:r>
           </a:p>
           <a:p>
-            <a:pPr lvl="6" marL="0" indent="0">
+            <a:pPr marL="0" lvl="6" indent="0">
               <a:spcBef>
                 <a:spcPts val="0"/>
               </a:spcBef>
               <a:buClrTx/>
               <a:buSzTx/>
               <a:buNone/>
-              <a:defRPr i="1" sz="1000">
+              <a:defRPr sz="1000" i="1">
                 <a:solidFill>
                   <a:schemeClr val="accent5">
                     <a:lumOff val="-8588"/>
@@ -5446,16 +5596,17 @@
                 <a:sym typeface="Arial"/>
               </a:defRPr>
             </a:pPr>
-          </a:p>
-          <a:p>
-            <a:pPr lvl="6" marL="0" indent="0">
+            <a:endParaRPr/>
+          </a:p>
+          <a:p>
+            <a:pPr marL="0" lvl="6" indent="0">
               <a:spcBef>
                 <a:spcPts val="0"/>
               </a:spcBef>
               <a:buClrTx/>
               <a:buSzTx/>
               <a:buNone/>
-              <a:defRPr i="1" sz="1000">
+              <a:defRPr sz="1000" i="1">
                 <a:solidFill>
                   <a:schemeClr val="accent5">
                     <a:lumOff val="-8588"/>
@@ -5472,14 +5623,14 @@
             </a:r>
           </a:p>
           <a:p>
-            <a:pPr lvl="6" marL="0" indent="0">
+            <a:pPr marL="0" lvl="6" indent="0">
               <a:spcBef>
                 <a:spcPts val="0"/>
               </a:spcBef>
               <a:buClrTx/>
               <a:buSzTx/>
               <a:buNone/>
-              <a:defRPr i="1" sz="1000">
+              <a:defRPr sz="1000" i="1">
                 <a:solidFill>
                   <a:schemeClr val="accent5">
                     <a:lumOff val="-8588"/>
@@ -5496,14 +5647,14 @@
             </a:r>
           </a:p>
           <a:p>
-            <a:pPr lvl="6" marL="0" indent="0">
+            <a:pPr marL="0" lvl="6" indent="0">
               <a:spcBef>
                 <a:spcPts val="0"/>
               </a:spcBef>
               <a:buClrTx/>
               <a:buSzTx/>
               <a:buNone/>
-              <a:defRPr i="1" sz="1000">
+              <a:defRPr sz="1000" i="1">
                 <a:solidFill>
                   <a:schemeClr val="accent5">
                     <a:lumOff val="-8588"/>
@@ -5520,14 +5671,14 @@
             </a:r>
           </a:p>
           <a:p>
-            <a:pPr lvl="6" marL="0" indent="0">
+            <a:pPr marL="0" lvl="6" indent="0">
               <a:spcBef>
                 <a:spcPts val="0"/>
               </a:spcBef>
               <a:buClrTx/>
               <a:buSzTx/>
               <a:buNone/>
-              <a:defRPr i="1" sz="1000">
+              <a:defRPr sz="1000" i="1">
                 <a:solidFill>
                   <a:schemeClr val="accent5">
                     <a:lumOff val="-8588"/>
@@ -5544,14 +5695,14 @@
             </a:r>
           </a:p>
           <a:p>
-            <a:pPr lvl="6" marL="0" indent="0">
+            <a:pPr marL="0" lvl="6" indent="0">
               <a:spcBef>
                 <a:spcPts val="0"/>
               </a:spcBef>
               <a:buClrTx/>
               <a:buSzTx/>
               <a:buNone/>
-              <a:defRPr i="1" sz="1000">
+              <a:defRPr sz="1000" i="1">
                 <a:solidFill>
                   <a:schemeClr val="accent5">
                     <a:lumOff val="-8588"/>
@@ -5568,14 +5719,14 @@
             </a:r>
           </a:p>
           <a:p>
-            <a:pPr lvl="6" marL="0" indent="0">
+            <a:pPr marL="0" lvl="6" indent="0">
               <a:spcBef>
                 <a:spcPts val="0"/>
               </a:spcBef>
               <a:buClrTx/>
               <a:buSzTx/>
               <a:buNone/>
-              <a:defRPr i="1" sz="1000">
+              <a:defRPr sz="1000" i="1">
                 <a:solidFill>
                   <a:schemeClr val="accent5">
                     <a:lumOff val="-8588"/>
@@ -5592,14 +5743,14 @@
             </a:r>
           </a:p>
           <a:p>
-            <a:pPr lvl="6" marL="0" indent="0">
+            <a:pPr marL="0" lvl="6" indent="0">
               <a:spcBef>
                 <a:spcPts val="0"/>
               </a:spcBef>
               <a:buClrTx/>
               <a:buSzTx/>
               <a:buNone/>
-              <a:defRPr i="1" sz="1000">
+              <a:defRPr sz="1000" i="1">
                 <a:solidFill>
                   <a:schemeClr val="accent5">
                     <a:lumOff val="-8588"/>
@@ -5616,14 +5767,14 @@
             </a:r>
           </a:p>
           <a:p>
-            <a:pPr lvl="6" marL="0" indent="0">
+            <a:pPr marL="0" lvl="6" indent="0">
               <a:spcBef>
                 <a:spcPts val="0"/>
               </a:spcBef>
               <a:buClrTx/>
               <a:buSzTx/>
               <a:buNone/>
-              <a:defRPr i="1" sz="1000">
+              <a:defRPr sz="1000" i="1">
                 <a:solidFill>
                   <a:schemeClr val="accent5">
                     <a:lumOff val="-8588"/>
@@ -5640,14 +5791,14 @@
             </a:r>
           </a:p>
           <a:p>
-            <a:pPr lvl="6" marL="0" indent="0">
+            <a:pPr marL="0" lvl="6" indent="0">
               <a:spcBef>
                 <a:spcPts val="0"/>
               </a:spcBef>
               <a:buClrTx/>
               <a:buSzTx/>
               <a:buNone/>
-              <a:defRPr i="1" sz="1000">
+              <a:defRPr sz="1000" i="1">
                 <a:solidFill>
                   <a:schemeClr val="accent5">
                     <a:lumOff val="-8588"/>
@@ -5664,14 +5815,14 @@
             </a:r>
           </a:p>
           <a:p>
-            <a:pPr lvl="6" marL="0" indent="0">
+            <a:pPr marL="0" lvl="6" indent="0">
               <a:spcBef>
                 <a:spcPts val="0"/>
               </a:spcBef>
               <a:buClrTx/>
               <a:buSzTx/>
               <a:buNone/>
-              <a:defRPr i="1" sz="1000">
+              <a:defRPr sz="1000" i="1">
                 <a:solidFill>
                   <a:schemeClr val="accent5">
                     <a:lumOff val="-8588"/>
@@ -5688,14 +5839,14 @@
             </a:r>
           </a:p>
           <a:p>
-            <a:pPr lvl="6" marL="0" indent="0">
+            <a:pPr marL="0" lvl="6" indent="0">
               <a:spcBef>
                 <a:spcPts val="0"/>
               </a:spcBef>
               <a:buClrTx/>
               <a:buSzTx/>
               <a:buNone/>
-              <a:defRPr i="1" sz="1000">
+              <a:defRPr sz="1000" i="1">
                 <a:solidFill>
                   <a:schemeClr val="accent5">
                     <a:lumOff val="-8588"/>
@@ -5712,14 +5863,14 @@
             </a:r>
           </a:p>
           <a:p>
-            <a:pPr lvl="6" marL="0" indent="0">
+            <a:pPr marL="0" lvl="6" indent="0">
               <a:spcBef>
                 <a:spcPts val="0"/>
               </a:spcBef>
               <a:buClrTx/>
               <a:buSzTx/>
               <a:buNone/>
-              <a:defRPr i="1" sz="1000">
+              <a:defRPr sz="1000" i="1">
                 <a:solidFill>
                   <a:schemeClr val="accent5">
                     <a:lumOff val="-8588"/>
@@ -5736,14 +5887,14 @@
             </a:r>
           </a:p>
           <a:p>
-            <a:pPr lvl="6" marL="0" indent="0">
+            <a:pPr marL="0" lvl="6" indent="0">
               <a:spcBef>
                 <a:spcPts val="0"/>
               </a:spcBef>
               <a:buClrTx/>
               <a:buSzTx/>
               <a:buNone/>
-              <a:defRPr i="1" sz="1000">
+              <a:defRPr sz="1000" i="1">
                 <a:solidFill>
                   <a:schemeClr val="accent5">
                     <a:lumOff val="-8588"/>
@@ -5760,14 +5911,14 @@
             </a:r>
           </a:p>
           <a:p>
-            <a:pPr lvl="6" marL="0" indent="0">
+            <a:pPr marL="0" lvl="6" indent="0">
               <a:spcBef>
                 <a:spcPts val="0"/>
               </a:spcBef>
               <a:buClrTx/>
               <a:buSzTx/>
               <a:buNone/>
-              <a:defRPr i="1" sz="1000">
+              <a:defRPr sz="1000" i="1">
                 <a:solidFill>
                   <a:schemeClr val="accent5">
                     <a:lumOff val="-8588"/>
@@ -5784,14 +5935,14 @@
             </a:r>
           </a:p>
           <a:p>
-            <a:pPr lvl="6" marL="0" indent="0">
+            <a:pPr marL="0" lvl="6" indent="0">
               <a:spcBef>
                 <a:spcPts val="0"/>
               </a:spcBef>
               <a:buClrTx/>
               <a:buSzTx/>
               <a:buNone/>
-              <a:defRPr i="1" sz="1000">
+              <a:defRPr sz="1000" i="1">
                 <a:solidFill>
                   <a:schemeClr val="accent5">
                     <a:lumOff val="-8588"/>
@@ -5808,14 +5959,14 @@
             </a:r>
           </a:p>
           <a:p>
-            <a:pPr lvl="6" marL="0" indent="0">
+            <a:pPr marL="0" lvl="6" indent="0">
               <a:spcBef>
                 <a:spcPts val="0"/>
               </a:spcBef>
               <a:buClrTx/>
               <a:buSzTx/>
               <a:buNone/>
-              <a:defRPr i="1" sz="1000">
+              <a:defRPr sz="1000" i="1">
                 <a:solidFill>
                   <a:schemeClr val="accent5">
                     <a:lumOff val="-8588"/>
@@ -5832,14 +5983,14 @@
             </a:r>
           </a:p>
           <a:p>
-            <a:pPr lvl="6" marL="0" indent="0">
+            <a:pPr marL="0" lvl="6" indent="0">
               <a:spcBef>
                 <a:spcPts val="0"/>
               </a:spcBef>
               <a:buClrTx/>
               <a:buSzTx/>
               <a:buNone/>
-              <a:defRPr i="1" sz="1800">
+              <a:defRPr sz="1800" i="1">
                 <a:solidFill>
                   <a:schemeClr val="accent5">
                     <a:lumOff val="-8588"/>
@@ -5851,13 +6002,16 @@
                 <a:sym typeface="Arial"/>
               </a:defRPr>
             </a:pPr>
+            <a:endParaRPr/>
           </a:p>
         </p:txBody>
       </p:sp>
       <p:sp>
         <p:nvSpPr>
           <p:cNvPr id="153" name="Slide Number"/>
-          <p:cNvSpPr/>
+          <p:cNvSpPr>
+            <a:spLocks noGrp="1"/>
+          </p:cNvSpPr>
           <p:nvPr>
             <p:ph type="sldNum" sz="quarter" idx="2"/>
           </p:nvPr>
@@ -5872,7 +6026,7 @@
           </a:prstGeom>
           <a:extLst>
             <a:ext uri="{C572A759-6A51-4108-AA02-DFA0A04FC94B}">
-              <ma14:wrappingTextBoxFlag xmlns:ma14="http://schemas.microsoft.com/office/mac/drawingml/2011/main" val="1"/>
+              <ma14:wrappingTextBoxFlag xmlns:ma14="http://schemas.microsoft.com/office/mac/drawingml/2011/main" xmlns="" val="1"/>
             </a:ext>
           </a:extLst>
         </p:spPr>
@@ -5880,8 +6034,10 @@
           <a:bodyPr/>
           <a:lstStyle/>
           <a:p>
-            <a:pPr/>
-            <a:fld id="{86CB4B4D-7CA3-9044-876B-883B54F8677D}" type="slidenum"/>
+            <a:fld id="{86CB4B4D-7CA3-9044-876B-883B54F8677D}" type="slidenum">
+              <a:t>4</a:t>
+            </a:fld>
+            <a:endParaRPr/>
           </a:p>
         </p:txBody>
       </p:sp>
@@ -5890,14 +6046,14 @@
   <p:clrMapOvr>
     <a:masterClrMapping/>
   </p:clrMapOvr>
-  <p:transition xmlns:p14="http://schemas.microsoft.com/office/powerpoint/2010/main" spd="med" advClick="1"/>
+  <p:transition spd="med"/>
   <p:timing>
     <p:tnLst>
       <p:par>
-        <p:cTn id="1" nodeType="tmRoot" restart="never" dur="indefinite" fill="hold">
+        <p:cTn id="1" dur="indefinite" restart="never" fill="hold" nodeType="tmRoot">
           <p:childTnLst>
             <p:seq concurrent="1" prevAc="none" nextAc="seek">
-              <p:cTn id="2" nodeType="mainSeq" dur="indefinite" fill="hold">
+              <p:cTn id="2" dur="indefinite" fill="hold" nodeType="mainSeq">
                 <p:childTnLst>
                   <p:par>
                     <p:cTn id="3" fill="hold">
@@ -5912,11 +6068,11 @@
                             </p:stCondLst>
                             <p:childTnLst>
                               <p:par>
-                                <p:cTn id="5" presetClass="entr" nodeType="clickEffect" presetID="10" grpId="1" fill="hold">
+                                <p:cTn id="5" presetID="10" presetClass="entr" fill="hold" grpId="1" nodeType="clickEffect">
                                   <p:stCondLst>
                                     <p:cond delay="0"/>
                                   </p:stCondLst>
-                                  <p:iterate type="lt" backwards="0">
+                                  <p:iterate type="lt">
                                     <p:tmAbs val="0"/>
                                   </p:iterate>
                                   <p:childTnLst>
@@ -5934,7 +6090,7 @@
                                         <p:strVal val="visible"/>
                                       </p:to>
                                     </p:set>
-                                    <p:animEffect filter="fade" transition="in">
+                                    <p:animEffect transition="in" filter="fade">
                                       <p:cBhvr>
                                         <p:cTn id="7" dur="2000"/>
                                         <p:tgtEl>
@@ -5964,11 +6120,11 @@
                             </p:stCondLst>
                             <p:childTnLst>
                               <p:par>
-                                <p:cTn id="10" presetClass="entr" nodeType="clickEffect" presetSubtype="8" presetID="26" grpId="2" fill="hold">
+                                <p:cTn id="10" presetID="26" presetClass="entr" presetSubtype="8" fill="hold" grpId="2" nodeType="clickEffect">
                                   <p:stCondLst>
                                     <p:cond delay="0"/>
                                   </p:stCondLst>
-                                  <p:iterate type="lt" backwards="0">
+                                  <p:iterate type="lt">
                                     <p:tmAbs val="0"/>
                                   </p:iterate>
                                   <p:childTnLst>
@@ -5986,7 +6142,7 @@
                                         <p:strVal val="visible"/>
                                       </p:to>
                                     </p:set>
-                                    <p:animEffect filter="wipe(down)" transition="in">
+                                    <p:animEffect transition="in" filter="wipe(down)">
                                       <p:cBhvr>
                                         <p:cTn id="12" dur="580">
                                           <p:stCondLst>
@@ -6249,14 +6405,14 @@
                 </p:childTnLst>
               </p:cTn>
               <p:prevCondLst>
-                <p:cond evt="onPrev">
+                <p:cond evt="onPrev" delay="0">
                   <p:tgtEl>
                     <p:sldTgt/>
                   </p:tgtEl>
                 </p:cond>
               </p:prevCondLst>
               <p:nextCondLst>
-                <p:cond evt="onNext">
+                <p:cond evt="onNext" delay="0">
                   <p:tgtEl>
                     <p:sldTgt/>
                   </p:tgtEl>
@@ -6268,21 +6424,22 @@
       </p:par>
     </p:tnLst>
     <p:bldLst>
-      <p:bldP build="whole" bldLvl="1" animBg="1" rev="0" advAuto="0" spid="151" grpId="1"/>
-      <p:bldP build="whole" bldLvl="1" animBg="1" rev="0" advAuto="0" spid="152" grpId="2"/>
+      <p:bldP spid="151" grpId="1" animBg="1" advAuto="0"/>
+      <p:bldP spid="152" grpId="2" animBg="1" advAuto="0"/>
     </p:bldLst>
   </p:timing>
 </p:sld>
 </file>
 
 <file path=ppt/slides/slide5.xml><?xml version="1.0" encoding="utf-8"?>
-<p:sld xmlns:a="http://schemas.openxmlformats.org/drawingml/2006/main" xmlns:r="http://schemas.openxmlformats.org/officeDocument/2006/relationships" xmlns:p="http://schemas.openxmlformats.org/presentationml/2006/main" showMasterSp="1" showMasterPhAnim="1">
+<p:sld xmlns:a="http://schemas.openxmlformats.org/drawingml/2006/main" xmlns:r="http://schemas.openxmlformats.org/officeDocument/2006/relationships" xmlns:p="http://schemas.openxmlformats.org/presentationml/2006/main">
   <p:cSld>
     <p:bg>
       <p:bgPr>
         <a:solidFill>
           <a:srgbClr val="FFFFFF"/>
         </a:solidFill>
+        <a:effectLst/>
       </p:bgPr>
     </p:bg>
     <p:spTree>
@@ -6302,7 +6459,9 @@
       <p:sp>
         <p:nvSpPr>
           <p:cNvPr id="155" name="THANK YOU"/>
-          <p:cNvSpPr/>
+          <p:cNvSpPr>
+            <a:spLocks noGrp="1"/>
+          </p:cNvSpPr>
           <p:nvPr>
             <p:ph type="title"/>
           </p:nvPr>
@@ -6339,7 +6498,7 @@
           <a:bodyPr lIns="63500" tIns="63500" rIns="63500" bIns="63500" anchor="ctr"/>
           <a:lstStyle>
             <a:lvl1pPr algn="ctr">
-              <a:defRPr cap="none" spc="0" sz="4000">
+              <a:defRPr sz="4000" cap="none" spc="0">
                 <a:solidFill>
                   <a:schemeClr val="accent5">
                     <a:lumOff val="-8588"/>
@@ -6353,7 +6512,6 @@
             </a:lvl1pPr>
           </a:lstStyle>
           <a:p>
-            <a:pPr/>
             <a:r>
               <a:t>THANK YOU</a:t>
             </a:r>
@@ -6363,7 +6521,9 @@
       <p:sp>
         <p:nvSpPr>
           <p:cNvPr id="156" name="I would like to thank…"/>
-          <p:cNvSpPr/>
+          <p:cNvSpPr>
+            <a:spLocks noGrp="1"/>
+          </p:cNvSpPr>
           <p:nvPr>
             <p:ph type="body" idx="1"/>
           </p:nvPr>
@@ -6410,7 +6570,7 @@
           <a:bodyPr/>
           <a:lstStyle/>
           <a:p>
-            <a:pPr lvl="8" marL="0" indent="0" algn="ctr">
+            <a:pPr marL="0" lvl="8" indent="0" algn="ctr">
               <a:spcBef>
                 <a:spcPts val="0"/>
               </a:spcBef>
@@ -6430,11 +6590,12 @@
               </a:defRPr>
             </a:pPr>
             <a:r>
+              <a:rPr dirty="0"/>
               <a:t>I would like to thank</a:t>
             </a:r>
           </a:p>
           <a:p>
-            <a:pPr lvl="8" marL="0" indent="0" algn="ctr">
+            <a:pPr marL="0" lvl="8" indent="0" algn="ctr">
               <a:spcBef>
                 <a:spcPts val="0"/>
               </a:spcBef>
@@ -6453,9 +6614,10 @@
                 <a:sym typeface="Arial"/>
               </a:defRPr>
             </a:pPr>
-          </a:p>
-          <a:p>
-            <a:pPr lvl="2" marL="982578" indent="-220578">
+            <a:endParaRPr dirty="0"/>
+          </a:p>
+          <a:p>
+            <a:pPr marL="982578" lvl="2" indent="-220578">
               <a:spcBef>
                 <a:spcPts val="0"/>
               </a:spcBef>
@@ -6473,9 +6635,10 @@
                 <a:sym typeface="Arial"/>
               </a:defRPr>
             </a:pPr>
-          </a:p>
-          <a:p>
-            <a:pPr lvl="5" marL="2125578" indent="-220578">
+            <a:endParaRPr dirty="0"/>
+          </a:p>
+          <a:p>
+            <a:pPr marL="2125578" lvl="5" indent="-220578">
               <a:spcBef>
                 <a:spcPts val="0"/>
               </a:spcBef>
@@ -6494,11 +6657,17 @@
               </a:defRPr>
             </a:pPr>
             <a:r>
-              <a:t>SG CODING MUM and BE KRAF</a:t>
-            </a:r>
-          </a:p>
-          <a:p>
-            <a:pPr lvl="5" marL="0" indent="0">
+              <a:rPr dirty="0"/>
+              <a:t>SG CODING MUM and </a:t>
+            </a:r>
+            <a:r>
+              <a:rPr dirty="0" smtClean="0"/>
+              <a:t>BEKRAF</a:t>
+            </a:r>
+            <a:endParaRPr dirty="0"/>
+          </a:p>
+          <a:p>
+            <a:pPr marL="0" lvl="5" indent="0">
               <a:spcBef>
                 <a:spcPts val="0"/>
               </a:spcBef>
@@ -6517,9 +6686,10 @@
                 <a:sym typeface="Arial"/>
               </a:defRPr>
             </a:pPr>
-          </a:p>
-          <a:p>
-            <a:pPr lvl="5" marL="2125578" indent="-220578">
+            <a:endParaRPr dirty="0"/>
+          </a:p>
+          <a:p>
+            <a:pPr marL="2125578" lvl="5" indent="-220578">
               <a:spcBef>
                 <a:spcPts val="0"/>
               </a:spcBef>
@@ -6538,11 +6708,12 @@
               </a:defRPr>
             </a:pPr>
             <a:r>
+              <a:rPr dirty="0"/>
               <a:t>All the tutors that taught us patiently</a:t>
             </a:r>
           </a:p>
           <a:p>
-            <a:pPr lvl="5" marL="0" indent="0">
+            <a:pPr marL="0" lvl="5" indent="0">
               <a:spcBef>
                 <a:spcPts val="0"/>
               </a:spcBef>
@@ -6561,9 +6732,10 @@
                 <a:sym typeface="Arial"/>
               </a:defRPr>
             </a:pPr>
-          </a:p>
-          <a:p>
-            <a:pPr lvl="5" marL="2125578" indent="-220578">
+            <a:endParaRPr dirty="0"/>
+          </a:p>
+          <a:p>
+            <a:pPr marL="2125578" lvl="5" indent="-220578">
               <a:spcBef>
                 <a:spcPts val="0"/>
               </a:spcBef>
@@ -6582,11 +6754,21 @@
               </a:defRPr>
             </a:pPr>
             <a:r>
-              <a:t>SIS (Sekolah Indonesia Singapura), for teaching us about Coding MUM</a:t>
-            </a:r>
-          </a:p>
-          <a:p>
-            <a:pPr lvl="5" marL="0" indent="0">
+              <a:rPr lang="en-SG" dirty="0" smtClean="0"/>
+              <a:t>Bank </a:t>
+            </a:r>
+            <a:r>
+              <a:rPr lang="en-SG" dirty="0" err="1" smtClean="0"/>
+              <a:t>Mandiri</a:t>
+            </a:r>
+            <a:r>
+              <a:rPr lang="en-SG" dirty="0" smtClean="0"/>
+              <a:t> for the classroom facility</a:t>
+            </a:r>
+            <a:endParaRPr dirty="0"/>
+          </a:p>
+          <a:p>
+            <a:pPr marL="0" lvl="5" indent="0">
               <a:spcBef>
                 <a:spcPts val="0"/>
               </a:spcBef>
@@ -6605,36 +6787,16 @@
                 <a:sym typeface="Arial"/>
               </a:defRPr>
             </a:pPr>
-          </a:p>
-          <a:p>
-            <a:pPr lvl="5" marL="2125578" indent="-220578">
-              <a:spcBef>
-                <a:spcPts val="0"/>
-              </a:spcBef>
-              <a:buClrTx/>
-              <a:buSzPct val="100000"/>
-              <a:defRPr sz="2200">
-                <a:solidFill>
-                  <a:schemeClr val="accent5">
-                    <a:lumOff val="-8588"/>
-                  </a:schemeClr>
-                </a:solidFill>
-                <a:latin typeface="Arial"/>
-                <a:ea typeface="Arial"/>
-                <a:cs typeface="Arial"/>
-                <a:sym typeface="Arial"/>
-              </a:defRPr>
-            </a:pPr>
-            <a:r>
-              <a:t>All Development SG that sponsors the Coding MUM Program</a:t>
-            </a:r>
+            <a:endParaRPr dirty="0"/>
           </a:p>
         </p:txBody>
       </p:sp>
       <p:sp>
         <p:nvSpPr>
           <p:cNvPr id="157" name="Slide Number"/>
-          <p:cNvSpPr/>
+          <p:cNvSpPr>
+            <a:spLocks noGrp="1"/>
+          </p:cNvSpPr>
           <p:nvPr>
             <p:ph type="sldNum" sz="quarter" idx="2"/>
           </p:nvPr>
@@ -6649,7 +6811,7 @@
           </a:prstGeom>
           <a:extLst>
             <a:ext uri="{C572A759-6A51-4108-AA02-DFA0A04FC94B}">
-              <ma14:wrappingTextBoxFlag xmlns:ma14="http://schemas.microsoft.com/office/mac/drawingml/2011/main" val="1"/>
+              <ma14:wrappingTextBoxFlag xmlns:ma14="http://schemas.microsoft.com/office/mac/drawingml/2011/main" xmlns="" val="1"/>
             </a:ext>
           </a:extLst>
         </p:spPr>
@@ -6657,8 +6819,10 @@
           <a:bodyPr/>
           <a:lstStyle/>
           <a:p>
-            <a:pPr/>
-            <a:fld id="{86CB4B4D-7CA3-9044-876B-883B54F8677D}" type="slidenum"/>
+            <a:fld id="{86CB4B4D-7CA3-9044-876B-883B54F8677D}" type="slidenum">
+              <a:t>5</a:t>
+            </a:fld>
+            <a:endParaRPr/>
           </a:p>
         </p:txBody>
       </p:sp>
@@ -6667,14 +6831,14 @@
   <p:clrMapOvr>
     <a:masterClrMapping/>
   </p:clrMapOvr>
-  <p:transition xmlns:p14="http://schemas.microsoft.com/office/powerpoint/2010/main" spd="med" advClick="1"/>
+  <p:transition spd="med"/>
   <p:timing>
     <p:tnLst>
       <p:par>
-        <p:cTn id="1" nodeType="tmRoot" restart="never" dur="indefinite" fill="hold">
+        <p:cTn id="1" dur="indefinite" restart="never" fill="hold" nodeType="tmRoot">
           <p:childTnLst>
             <p:seq concurrent="1" prevAc="none" nextAc="seek">
-              <p:cTn id="2" nodeType="mainSeq" dur="indefinite" fill="hold">
+              <p:cTn id="2" dur="indefinite" fill="hold" nodeType="mainSeq">
                 <p:childTnLst>
                   <p:par>
                     <p:cTn id="3" fill="hold">
@@ -6689,11 +6853,11 @@
                             </p:stCondLst>
                             <p:childTnLst>
                               <p:par>
-                                <p:cTn id="5" presetClass="entr" nodeType="clickEffect" presetSubtype="8" presetID="22" grpId="1" fill="hold">
+                                <p:cTn id="5" presetID="22" presetClass="entr" presetSubtype="8" fill="hold" grpId="1" nodeType="clickEffect">
                                   <p:stCondLst>
                                     <p:cond delay="0"/>
                                   </p:stCondLst>
-                                  <p:iterate type="el" backwards="0">
+                                  <p:iterate>
                                     <p:tmAbs val="0"/>
                                   </p:iterate>
                                   <p:childTnLst>
@@ -6711,7 +6875,7 @@
                                         <p:strVal val="visible"/>
                                       </p:to>
                                     </p:set>
-                                    <p:animEffect filter="wipe(left)" transition="in">
+                                    <p:animEffect transition="in" filter="wipe(left)">
                                       <p:cBhvr>
                                         <p:cTn id="7" dur="3000"/>
                                         <p:tgtEl>
@@ -6741,11 +6905,11 @@
                             </p:stCondLst>
                             <p:childTnLst>
                               <p:par>
-                                <p:cTn id="10" presetClass="entr" nodeType="clickEffect" presetID="9" grpId="2" fill="hold">
+                                <p:cTn id="10" presetID="9" presetClass="entr" fill="hold" grpId="2" nodeType="clickEffect">
                                   <p:stCondLst>
                                     <p:cond delay="0"/>
                                   </p:stCondLst>
-                                  <p:iterate type="el" backwards="0">
+                                  <p:iterate>
                                     <p:tmAbs val="0"/>
                                   </p:iterate>
                                   <p:childTnLst>
@@ -6763,7 +6927,7 @@
                                         <p:strVal val="visible"/>
                                       </p:to>
                                     </p:set>
-                                    <p:animEffect filter="dissolve" transition="in">
+                                    <p:animEffect transition="in" filter="dissolve">
                                       <p:cBhvr>
                                         <p:cTn id="12" dur="3000"/>
                                         <p:tgtEl>
@@ -6783,14 +6947,14 @@
                 </p:childTnLst>
               </p:cTn>
               <p:prevCondLst>
-                <p:cond evt="onPrev">
+                <p:cond evt="onPrev" delay="0">
                   <p:tgtEl>
                     <p:sldTgt/>
                   </p:tgtEl>
                 </p:cond>
               </p:prevCondLst>
               <p:nextCondLst>
-                <p:cond evt="onNext">
+                <p:cond evt="onNext" delay="0">
                   <p:tgtEl>
                     <p:sldTgt/>
                   </p:tgtEl>
@@ -6802,15 +6966,15 @@
       </p:par>
     </p:tnLst>
     <p:bldLst>
-      <p:bldP build="whole" bldLvl="1" animBg="1" rev="0" advAuto="0" spid="155" grpId="1"/>
-      <p:bldP build="whole" bldLvl="1" animBg="1" rev="0" advAuto="0" spid="156" grpId="2"/>
+      <p:bldP spid="155" grpId="1" animBg="1" advAuto="0"/>
+      <p:bldP spid="156" grpId="2" animBg="1" advAuto="0"/>
     </p:bldLst>
   </p:timing>
 </p:sld>
 </file>
 
 <file path=ppt/theme/theme1.xml><?xml version="1.0" encoding="utf-8"?>
-<a:theme xmlns:a="http://schemas.openxmlformats.org/drawingml/2006/main" xmlns:r="http://schemas.openxmlformats.org/officeDocument/2006/relationships" name="New_Template1">
+<a:theme xmlns:a="http://schemas.openxmlformats.org/drawingml/2006/main" name="New_Template1">
   <a:themeElements>
     <a:clrScheme name="New_Template1">
       <a:dk1>
@@ -7012,7 +7176,7 @@
         <a:effectLst/>
         <a:sp3d/>
       </a:spPr>
-      <a:bodyPr rot="0" spcFirstLastPara="1" vertOverflow="overflow" horzOverflow="overflow" vert="horz" wrap="square" lIns="50800" tIns="50800" rIns="50800" bIns="50800" numCol="1" spcCol="38100" rtlCol="0" anchor="ctr" upright="0">
+      <a:bodyPr rot="0" spcFirstLastPara="1" vertOverflow="overflow" horzOverflow="overflow" vert="horz" wrap="square" lIns="50800" tIns="50800" rIns="50800" bIns="50800" numCol="1" spcCol="38100" rtlCol="0" anchor="ctr">
         <a:spAutoFit/>
       </a:bodyPr>
       <a:lstStyle>
@@ -7031,7 +7195,7 @@
           <a:buFontTx/>
           <a:buNone/>
           <a:tabLst/>
-          <a:defRPr b="0" baseline="0" cap="none" i="0" spc="0" strike="noStrike" sz="4000" u="none" kumimoji="0" normalizeH="0">
+          <a:defRPr kumimoji="0" sz="4000" b="0" i="0" u="none" strike="noStrike" cap="none" spc="0" normalizeH="0" baseline="0">
             <a:ln>
               <a:noFill/>
             </a:ln>
@@ -7061,7 +7225,7 @@
           <a:buFontTx/>
           <a:buNone/>
           <a:tabLst/>
-          <a:defRPr b="0" baseline="0" cap="none" i="0" spc="0" strike="noStrike" sz="1800" u="none" kumimoji="0" normalizeH="0">
+          <a:defRPr kumimoji="0" sz="1800" b="0" i="0" u="none" strike="noStrike" cap="none" spc="0" normalizeH="0" baseline="0">
             <a:ln>
               <a:noFill/>
             </a:ln>
@@ -7087,7 +7251,7 @@
           <a:buFontTx/>
           <a:buNone/>
           <a:tabLst/>
-          <a:defRPr b="0" baseline="0" cap="none" i="0" spc="0" strike="noStrike" sz="1800" u="none" kumimoji="0" normalizeH="0">
+          <a:defRPr kumimoji="0" sz="1800" b="0" i="0" u="none" strike="noStrike" cap="none" spc="0" normalizeH="0" baseline="0">
             <a:ln>
               <a:noFill/>
             </a:ln>
@@ -7113,7 +7277,7 @@
           <a:buFontTx/>
           <a:buNone/>
           <a:tabLst/>
-          <a:defRPr b="0" baseline="0" cap="none" i="0" spc="0" strike="noStrike" sz="1800" u="none" kumimoji="0" normalizeH="0">
+          <a:defRPr kumimoji="0" sz="1800" b="0" i="0" u="none" strike="noStrike" cap="none" spc="0" normalizeH="0" baseline="0">
             <a:ln>
               <a:noFill/>
             </a:ln>
@@ -7139,7 +7303,7 @@
           <a:buFontTx/>
           <a:buNone/>
           <a:tabLst/>
-          <a:defRPr b="0" baseline="0" cap="none" i="0" spc="0" strike="noStrike" sz="1800" u="none" kumimoji="0" normalizeH="0">
+          <a:defRPr kumimoji="0" sz="1800" b="0" i="0" u="none" strike="noStrike" cap="none" spc="0" normalizeH="0" baseline="0">
             <a:ln>
               <a:noFill/>
             </a:ln>
@@ -7165,7 +7329,7 @@
           <a:buFontTx/>
           <a:buNone/>
           <a:tabLst/>
-          <a:defRPr b="0" baseline="0" cap="none" i="0" spc="0" strike="noStrike" sz="1800" u="none" kumimoji="0" normalizeH="0">
+          <a:defRPr kumimoji="0" sz="1800" b="0" i="0" u="none" strike="noStrike" cap="none" spc="0" normalizeH="0" baseline="0">
             <a:ln>
               <a:noFill/>
             </a:ln>
@@ -7191,7 +7355,7 @@
           <a:buFontTx/>
           <a:buNone/>
           <a:tabLst/>
-          <a:defRPr b="0" baseline="0" cap="none" i="0" spc="0" strike="noStrike" sz="1800" u="none" kumimoji="0" normalizeH="0">
+          <a:defRPr kumimoji="0" sz="1800" b="0" i="0" u="none" strike="noStrike" cap="none" spc="0" normalizeH="0" baseline="0">
             <a:ln>
               <a:noFill/>
             </a:ln>
@@ -7217,7 +7381,7 @@
           <a:buFontTx/>
           <a:buNone/>
           <a:tabLst/>
-          <a:defRPr b="0" baseline="0" cap="none" i="0" spc="0" strike="noStrike" sz="1800" u="none" kumimoji="0" normalizeH="0">
+          <a:defRPr kumimoji="0" sz="1800" b="0" i="0" u="none" strike="noStrike" cap="none" spc="0" normalizeH="0" baseline="0">
             <a:ln>
               <a:noFill/>
             </a:ln>
@@ -7243,7 +7407,7 @@
           <a:buFontTx/>
           <a:buNone/>
           <a:tabLst/>
-          <a:defRPr b="0" baseline="0" cap="none" i="0" spc="0" strike="noStrike" sz="1800" u="none" kumimoji="0" normalizeH="0">
+          <a:defRPr kumimoji="0" sz="1800" b="0" i="0" u="none" strike="noStrike" cap="none" spc="0" normalizeH="0" baseline="0">
             <a:ln>
               <a:noFill/>
             </a:ln>
@@ -7269,7 +7433,7 @@
           <a:buFontTx/>
           <a:buNone/>
           <a:tabLst/>
-          <a:defRPr b="0" baseline="0" cap="none" i="0" spc="0" strike="noStrike" sz="1800" u="none" kumimoji="0" normalizeH="0">
+          <a:defRPr kumimoji="0" sz="1800" b="0" i="0" u="none" strike="noStrike" cap="none" spc="0" normalizeH="0" baseline="0">
             <a:ln>
               <a:noFill/>
             </a:ln>
@@ -7282,9 +7446,15 @@
         </a:lvl9pPr>
       </a:lstStyle>
       <a:style>
-        <a:lnRef idx="0"/>
-        <a:fillRef idx="0"/>
-        <a:effectRef idx="0"/>
+        <a:lnRef idx="0">
+          <a:scrgbClr r="0" g="0" b="0"/>
+        </a:lnRef>
+        <a:fillRef idx="0">
+          <a:scrgbClr r="0" g="0" b="0"/>
+        </a:fillRef>
+        <a:effectRef idx="0">
+          <a:scrgbClr r="0" g="0" b="0"/>
+        </a:effectRef>
         <a:fontRef idx="none"/>
       </a:style>
     </a:spDef>
@@ -7301,7 +7471,7 @@
         <a:effectLst/>
         <a:sp3d/>
       </a:spPr>
-      <a:bodyPr rot="0" spcFirstLastPara="1" vertOverflow="overflow" horzOverflow="overflow" vert="horz" wrap="square" lIns="91439" tIns="45719" rIns="91439" bIns="45719" numCol="1" spcCol="38100" rtlCol="0" anchor="t" upright="0">
+      <a:bodyPr rot="0" spcFirstLastPara="1" vertOverflow="overflow" horzOverflow="overflow" vert="horz" wrap="square" lIns="91439" tIns="45719" rIns="91439" bIns="45719" numCol="1" spcCol="38100" rtlCol="0" anchor="t">
         <a:noAutofit/>
       </a:bodyPr>
       <a:lstStyle>
@@ -7320,7 +7490,7 @@
           <a:buFontTx/>
           <a:buNone/>
           <a:tabLst/>
-          <a:defRPr b="0" baseline="0" cap="none" i="0" spc="0" strike="noStrike" sz="1800" u="none" kumimoji="0" normalizeH="0">
+          <a:defRPr kumimoji="0" sz="1800" b="0" i="0" u="none" strike="noStrike" cap="none" spc="0" normalizeH="0" baseline="0">
             <a:ln>
               <a:noFill/>
             </a:ln>
@@ -7346,7 +7516,7 @@
           <a:buFontTx/>
           <a:buNone/>
           <a:tabLst/>
-          <a:defRPr b="0" baseline="0" cap="none" i="0" spc="0" strike="noStrike" sz="1800" u="none" kumimoji="0" normalizeH="0">
+          <a:defRPr kumimoji="0" sz="1800" b="0" i="0" u="none" strike="noStrike" cap="none" spc="0" normalizeH="0" baseline="0">
             <a:ln>
               <a:noFill/>
             </a:ln>
@@ -7372,7 +7542,7 @@
           <a:buFontTx/>
           <a:buNone/>
           <a:tabLst/>
-          <a:defRPr b="0" baseline="0" cap="none" i="0" spc="0" strike="noStrike" sz="1800" u="none" kumimoji="0" normalizeH="0">
+          <a:defRPr kumimoji="0" sz="1800" b="0" i="0" u="none" strike="noStrike" cap="none" spc="0" normalizeH="0" baseline="0">
             <a:ln>
               <a:noFill/>
             </a:ln>
@@ -7398,7 +7568,7 @@
           <a:buFontTx/>
           <a:buNone/>
           <a:tabLst/>
-          <a:defRPr b="0" baseline="0" cap="none" i="0" spc="0" strike="noStrike" sz="1800" u="none" kumimoji="0" normalizeH="0">
+          <a:defRPr kumimoji="0" sz="1800" b="0" i="0" u="none" strike="noStrike" cap="none" spc="0" normalizeH="0" baseline="0">
             <a:ln>
               <a:noFill/>
             </a:ln>
@@ -7424,7 +7594,7 @@
           <a:buFontTx/>
           <a:buNone/>
           <a:tabLst/>
-          <a:defRPr b="0" baseline="0" cap="none" i="0" spc="0" strike="noStrike" sz="1800" u="none" kumimoji="0" normalizeH="0">
+          <a:defRPr kumimoji="0" sz="1800" b="0" i="0" u="none" strike="noStrike" cap="none" spc="0" normalizeH="0" baseline="0">
             <a:ln>
               <a:noFill/>
             </a:ln>
@@ -7450,7 +7620,7 @@
           <a:buFontTx/>
           <a:buNone/>
           <a:tabLst/>
-          <a:defRPr b="0" baseline="0" cap="none" i="0" spc="0" strike="noStrike" sz="1800" u="none" kumimoji="0" normalizeH="0">
+          <a:defRPr kumimoji="0" sz="1800" b="0" i="0" u="none" strike="noStrike" cap="none" spc="0" normalizeH="0" baseline="0">
             <a:ln>
               <a:noFill/>
             </a:ln>
@@ -7476,7 +7646,7 @@
           <a:buFontTx/>
           <a:buNone/>
           <a:tabLst/>
-          <a:defRPr b="0" baseline="0" cap="none" i="0" spc="0" strike="noStrike" sz="1800" u="none" kumimoji="0" normalizeH="0">
+          <a:defRPr kumimoji="0" sz="1800" b="0" i="0" u="none" strike="noStrike" cap="none" spc="0" normalizeH="0" baseline="0">
             <a:ln>
               <a:noFill/>
             </a:ln>
@@ -7502,7 +7672,7 @@
           <a:buFontTx/>
           <a:buNone/>
           <a:tabLst/>
-          <a:defRPr b="0" baseline="0" cap="none" i="0" spc="0" strike="noStrike" sz="1800" u="none" kumimoji="0" normalizeH="0">
+          <a:defRPr kumimoji="0" sz="1800" b="0" i="0" u="none" strike="noStrike" cap="none" spc="0" normalizeH="0" baseline="0">
             <a:ln>
               <a:noFill/>
             </a:ln>
@@ -7528,7 +7698,7 @@
           <a:buFontTx/>
           <a:buNone/>
           <a:tabLst/>
-          <a:defRPr b="0" baseline="0" cap="none" i="0" spc="0" strike="noStrike" sz="1800" u="none" kumimoji="0" normalizeH="0">
+          <a:defRPr kumimoji="0" sz="1800" b="0" i="0" u="none" strike="noStrike" cap="none" spc="0" normalizeH="0" baseline="0">
             <a:ln>
               <a:noFill/>
             </a:ln>
@@ -7554,7 +7724,7 @@
           <a:buFontTx/>
           <a:buNone/>
           <a:tabLst/>
-          <a:defRPr b="0" baseline="0" cap="none" i="0" spc="0" strike="noStrike" sz="1800" u="none" kumimoji="0" normalizeH="0">
+          <a:defRPr kumimoji="0" sz="1800" b="0" i="0" u="none" strike="noStrike" cap="none" spc="0" normalizeH="0" baseline="0">
             <a:ln>
               <a:noFill/>
             </a:ln>
@@ -7567,9 +7737,15 @@
         </a:lvl9pPr>
       </a:lstStyle>
       <a:style>
-        <a:lnRef idx="0"/>
-        <a:fillRef idx="0"/>
-        <a:effectRef idx="0"/>
+        <a:lnRef idx="0">
+          <a:scrgbClr r="0" g="0" b="0"/>
+        </a:lnRef>
+        <a:fillRef idx="0">
+          <a:scrgbClr r="0" g="0" b="0"/>
+        </a:fillRef>
+        <a:effectRef idx="0">
+          <a:scrgbClr r="0" g="0" b="0"/>
+        </a:effectRef>
         <a:fontRef idx="none"/>
       </a:style>
     </a:lnDef>
@@ -7583,7 +7759,7 @@
         <a:effectLst/>
         <a:sp3d/>
       </a:spPr>
-      <a:bodyPr rot="0" spcFirstLastPara="1" vertOverflow="overflow" horzOverflow="overflow" vert="horz" wrap="square" lIns="50800" tIns="50800" rIns="50800" bIns="50800" numCol="1" spcCol="38100" rtlCol="0" anchor="ctr" upright="0">
+      <a:bodyPr rot="0" spcFirstLastPara="1" vertOverflow="overflow" horzOverflow="overflow" vert="horz" wrap="square" lIns="50800" tIns="50800" rIns="50800" bIns="50800" numCol="1" spcCol="38100" rtlCol="0" anchor="ctr">
         <a:spAutoFit/>
       </a:bodyPr>
       <a:lstStyle>
@@ -7602,7 +7778,7 @@
           <a:buFontTx/>
           <a:buNone/>
           <a:tabLst/>
-          <a:defRPr b="0" baseline="0" cap="none" i="0" spc="0" strike="noStrike" sz="4000" u="none" kumimoji="0" normalizeH="0">
+          <a:defRPr kumimoji="0" sz="4000" b="0" i="0" u="none" strike="noStrike" cap="none" spc="0" normalizeH="0" baseline="0">
             <a:ln>
               <a:noFill/>
             </a:ln>
@@ -7632,7 +7808,7 @@
           <a:buFontTx/>
           <a:buNone/>
           <a:tabLst/>
-          <a:defRPr b="0" baseline="0" cap="none" i="0" spc="0" strike="noStrike" sz="1800" u="none" kumimoji="0" normalizeH="0">
+          <a:defRPr kumimoji="0" sz="1800" b="0" i="0" u="none" strike="noStrike" cap="none" spc="0" normalizeH="0" baseline="0">
             <a:ln>
               <a:noFill/>
             </a:ln>
@@ -7658,7 +7834,7 @@
           <a:buFontTx/>
           <a:buNone/>
           <a:tabLst/>
-          <a:defRPr b="0" baseline="0" cap="none" i="0" spc="0" strike="noStrike" sz="1800" u="none" kumimoji="0" normalizeH="0">
+          <a:defRPr kumimoji="0" sz="1800" b="0" i="0" u="none" strike="noStrike" cap="none" spc="0" normalizeH="0" baseline="0">
             <a:ln>
               <a:noFill/>
             </a:ln>
@@ -7684,7 +7860,7 @@
           <a:buFontTx/>
           <a:buNone/>
           <a:tabLst/>
-          <a:defRPr b="0" baseline="0" cap="none" i="0" spc="0" strike="noStrike" sz="1800" u="none" kumimoji="0" normalizeH="0">
+          <a:defRPr kumimoji="0" sz="1800" b="0" i="0" u="none" strike="noStrike" cap="none" spc="0" normalizeH="0" baseline="0">
             <a:ln>
               <a:noFill/>
             </a:ln>
@@ -7710,7 +7886,7 @@
           <a:buFontTx/>
           <a:buNone/>
           <a:tabLst/>
-          <a:defRPr b="0" baseline="0" cap="none" i="0" spc="0" strike="noStrike" sz="1800" u="none" kumimoji="0" normalizeH="0">
+          <a:defRPr kumimoji="0" sz="1800" b="0" i="0" u="none" strike="noStrike" cap="none" spc="0" normalizeH="0" baseline="0">
             <a:ln>
               <a:noFill/>
             </a:ln>
@@ -7736,7 +7912,7 @@
           <a:buFontTx/>
           <a:buNone/>
           <a:tabLst/>
-          <a:defRPr b="0" baseline="0" cap="none" i="0" spc="0" strike="noStrike" sz="1800" u="none" kumimoji="0" normalizeH="0">
+          <a:defRPr kumimoji="0" sz="1800" b="0" i="0" u="none" strike="noStrike" cap="none" spc="0" normalizeH="0" baseline="0">
             <a:ln>
               <a:noFill/>
             </a:ln>
@@ -7762,7 +7938,7 @@
           <a:buFontTx/>
           <a:buNone/>
           <a:tabLst/>
-          <a:defRPr b="0" baseline="0" cap="none" i="0" spc="0" strike="noStrike" sz="1800" u="none" kumimoji="0" normalizeH="0">
+          <a:defRPr kumimoji="0" sz="1800" b="0" i="0" u="none" strike="noStrike" cap="none" spc="0" normalizeH="0" baseline="0">
             <a:ln>
               <a:noFill/>
             </a:ln>
@@ -7788,7 +7964,7 @@
           <a:buFontTx/>
           <a:buNone/>
           <a:tabLst/>
-          <a:defRPr b="0" baseline="0" cap="none" i="0" spc="0" strike="noStrike" sz="1800" u="none" kumimoji="0" normalizeH="0">
+          <a:defRPr kumimoji="0" sz="1800" b="0" i="0" u="none" strike="noStrike" cap="none" spc="0" normalizeH="0" baseline="0">
             <a:ln>
               <a:noFill/>
             </a:ln>
@@ -7814,7 +7990,7 @@
           <a:buFontTx/>
           <a:buNone/>
           <a:tabLst/>
-          <a:defRPr b="0" baseline="0" cap="none" i="0" spc="0" strike="noStrike" sz="1800" u="none" kumimoji="0" normalizeH="0">
+          <a:defRPr kumimoji="0" sz="1800" b="0" i="0" u="none" strike="noStrike" cap="none" spc="0" normalizeH="0" baseline="0">
             <a:ln>
               <a:noFill/>
             </a:ln>
@@ -7840,7 +8016,7 @@
           <a:buFontTx/>
           <a:buNone/>
           <a:tabLst/>
-          <a:defRPr b="0" baseline="0" cap="none" i="0" spc="0" strike="noStrike" sz="1800" u="none" kumimoji="0" normalizeH="0">
+          <a:defRPr kumimoji="0" sz="1800" b="0" i="0" u="none" strike="noStrike" cap="none" spc="0" normalizeH="0" baseline="0">
             <a:ln>
               <a:noFill/>
             </a:ln>
@@ -7853,18 +8029,25 @@
         </a:lvl9pPr>
       </a:lstStyle>
       <a:style>
-        <a:lnRef idx="0"/>
-        <a:fillRef idx="0"/>
-        <a:effectRef idx="0"/>
+        <a:lnRef idx="0">
+          <a:scrgbClr r="0" g="0" b="0"/>
+        </a:lnRef>
+        <a:fillRef idx="0">
+          <a:scrgbClr r="0" g="0" b="0"/>
+        </a:fillRef>
+        <a:effectRef idx="0">
+          <a:scrgbClr r="0" g="0" b="0"/>
+        </a:effectRef>
         <a:fontRef idx="none"/>
       </a:style>
     </a:txDef>
   </a:objectDefaults>
+  <a:extraClrSchemeLst/>
 </a:theme>
 </file>
 
 <file path=ppt/theme/theme2.xml><?xml version="1.0" encoding="utf-8"?>
-<a:theme xmlns:a="http://schemas.openxmlformats.org/drawingml/2006/main" xmlns:r="http://schemas.openxmlformats.org/officeDocument/2006/relationships" name="New_Template1">
+<a:theme xmlns:a="http://schemas.openxmlformats.org/drawingml/2006/main" name="New_Template1">
   <a:themeElements>
     <a:clrScheme name="New_Template1">
       <a:dk1>
@@ -8066,7 +8249,7 @@
         <a:effectLst/>
         <a:sp3d/>
       </a:spPr>
-      <a:bodyPr rot="0" spcFirstLastPara="1" vertOverflow="overflow" horzOverflow="overflow" vert="horz" wrap="square" lIns="50800" tIns="50800" rIns="50800" bIns="50800" numCol="1" spcCol="38100" rtlCol="0" anchor="ctr" upright="0">
+      <a:bodyPr rot="0" spcFirstLastPara="1" vertOverflow="overflow" horzOverflow="overflow" vert="horz" wrap="square" lIns="50800" tIns="50800" rIns="50800" bIns="50800" numCol="1" spcCol="38100" rtlCol="0" anchor="ctr">
         <a:spAutoFit/>
       </a:bodyPr>
       <a:lstStyle>
@@ -8085,7 +8268,7 @@
           <a:buFontTx/>
           <a:buNone/>
           <a:tabLst/>
-          <a:defRPr b="0" baseline="0" cap="none" i="0" spc="0" strike="noStrike" sz="4000" u="none" kumimoji="0" normalizeH="0">
+          <a:defRPr kumimoji="0" sz="4000" b="0" i="0" u="none" strike="noStrike" cap="none" spc="0" normalizeH="0" baseline="0">
             <a:ln>
               <a:noFill/>
             </a:ln>
@@ -8115,7 +8298,7 @@
           <a:buFontTx/>
           <a:buNone/>
           <a:tabLst/>
-          <a:defRPr b="0" baseline="0" cap="none" i="0" spc="0" strike="noStrike" sz="1800" u="none" kumimoji="0" normalizeH="0">
+          <a:defRPr kumimoji="0" sz="1800" b="0" i="0" u="none" strike="noStrike" cap="none" spc="0" normalizeH="0" baseline="0">
             <a:ln>
               <a:noFill/>
             </a:ln>
@@ -8141,7 +8324,7 @@
           <a:buFontTx/>
           <a:buNone/>
           <a:tabLst/>
-          <a:defRPr b="0" baseline="0" cap="none" i="0" spc="0" strike="noStrike" sz="1800" u="none" kumimoji="0" normalizeH="0">
+          <a:defRPr kumimoji="0" sz="1800" b="0" i="0" u="none" strike="noStrike" cap="none" spc="0" normalizeH="0" baseline="0">
             <a:ln>
               <a:noFill/>
             </a:ln>
@@ -8167,7 +8350,7 @@
           <a:buFontTx/>
           <a:buNone/>
           <a:tabLst/>
-          <a:defRPr b="0" baseline="0" cap="none" i="0" spc="0" strike="noStrike" sz="1800" u="none" kumimoji="0" normalizeH="0">
+          <a:defRPr kumimoji="0" sz="1800" b="0" i="0" u="none" strike="noStrike" cap="none" spc="0" normalizeH="0" baseline="0">
             <a:ln>
               <a:noFill/>
             </a:ln>
@@ -8193,7 +8376,7 @@
           <a:buFontTx/>
           <a:buNone/>
           <a:tabLst/>
-          <a:defRPr b="0" baseline="0" cap="none" i="0" spc="0" strike="noStrike" sz="1800" u="none" kumimoji="0" normalizeH="0">
+          <a:defRPr kumimoji="0" sz="1800" b="0" i="0" u="none" strike="noStrike" cap="none" spc="0" normalizeH="0" baseline="0">
             <a:ln>
               <a:noFill/>
             </a:ln>
@@ -8219,7 +8402,7 @@
           <a:buFontTx/>
           <a:buNone/>
           <a:tabLst/>
-          <a:defRPr b="0" baseline="0" cap="none" i="0" spc="0" strike="noStrike" sz="1800" u="none" kumimoji="0" normalizeH="0">
+          <a:defRPr kumimoji="0" sz="1800" b="0" i="0" u="none" strike="noStrike" cap="none" spc="0" normalizeH="0" baseline="0">
             <a:ln>
               <a:noFill/>
             </a:ln>
@@ -8245,7 +8428,7 @@
           <a:buFontTx/>
           <a:buNone/>
           <a:tabLst/>
-          <a:defRPr b="0" baseline="0" cap="none" i="0" spc="0" strike="noStrike" sz="1800" u="none" kumimoji="0" normalizeH="0">
+          <a:defRPr kumimoji="0" sz="1800" b="0" i="0" u="none" strike="noStrike" cap="none" spc="0" normalizeH="0" baseline="0">
             <a:ln>
               <a:noFill/>
             </a:ln>
@@ -8271,7 +8454,7 @@
           <a:buFontTx/>
           <a:buNone/>
           <a:tabLst/>
-          <a:defRPr b="0" baseline="0" cap="none" i="0" spc="0" strike="noStrike" sz="1800" u="none" kumimoji="0" normalizeH="0">
+          <a:defRPr kumimoji="0" sz="1800" b="0" i="0" u="none" strike="noStrike" cap="none" spc="0" normalizeH="0" baseline="0">
             <a:ln>
               <a:noFill/>
             </a:ln>
@@ -8297,7 +8480,7 @@
           <a:buFontTx/>
           <a:buNone/>
           <a:tabLst/>
-          <a:defRPr b="0" baseline="0" cap="none" i="0" spc="0" strike="noStrike" sz="1800" u="none" kumimoji="0" normalizeH="0">
+          <a:defRPr kumimoji="0" sz="1800" b="0" i="0" u="none" strike="noStrike" cap="none" spc="0" normalizeH="0" baseline="0">
             <a:ln>
               <a:noFill/>
             </a:ln>
@@ -8323,7 +8506,7 @@
           <a:buFontTx/>
           <a:buNone/>
           <a:tabLst/>
-          <a:defRPr b="0" baseline="0" cap="none" i="0" spc="0" strike="noStrike" sz="1800" u="none" kumimoji="0" normalizeH="0">
+          <a:defRPr kumimoji="0" sz="1800" b="0" i="0" u="none" strike="noStrike" cap="none" spc="0" normalizeH="0" baseline="0">
             <a:ln>
               <a:noFill/>
             </a:ln>
@@ -8336,9 +8519,15 @@
         </a:lvl9pPr>
       </a:lstStyle>
       <a:style>
-        <a:lnRef idx="0"/>
-        <a:fillRef idx="0"/>
-        <a:effectRef idx="0"/>
+        <a:lnRef idx="0">
+          <a:scrgbClr r="0" g="0" b="0"/>
+        </a:lnRef>
+        <a:fillRef idx="0">
+          <a:scrgbClr r="0" g="0" b="0"/>
+        </a:fillRef>
+        <a:effectRef idx="0">
+          <a:scrgbClr r="0" g="0" b="0"/>
+        </a:effectRef>
         <a:fontRef idx="none"/>
       </a:style>
     </a:spDef>
@@ -8355,7 +8544,7 @@
         <a:effectLst/>
         <a:sp3d/>
       </a:spPr>
-      <a:bodyPr rot="0" spcFirstLastPara="1" vertOverflow="overflow" horzOverflow="overflow" vert="horz" wrap="square" lIns="91439" tIns="45719" rIns="91439" bIns="45719" numCol="1" spcCol="38100" rtlCol="0" anchor="t" upright="0">
+      <a:bodyPr rot="0" spcFirstLastPara="1" vertOverflow="overflow" horzOverflow="overflow" vert="horz" wrap="square" lIns="91439" tIns="45719" rIns="91439" bIns="45719" numCol="1" spcCol="38100" rtlCol="0" anchor="t">
         <a:noAutofit/>
       </a:bodyPr>
       <a:lstStyle>
@@ -8374,7 +8563,7 @@
           <a:buFontTx/>
           <a:buNone/>
           <a:tabLst/>
-          <a:defRPr b="0" baseline="0" cap="none" i="0" spc="0" strike="noStrike" sz="1800" u="none" kumimoji="0" normalizeH="0">
+          <a:defRPr kumimoji="0" sz="1800" b="0" i="0" u="none" strike="noStrike" cap="none" spc="0" normalizeH="0" baseline="0">
             <a:ln>
               <a:noFill/>
             </a:ln>
@@ -8400,7 +8589,7 @@
           <a:buFontTx/>
           <a:buNone/>
           <a:tabLst/>
-          <a:defRPr b="0" baseline="0" cap="none" i="0" spc="0" strike="noStrike" sz="1800" u="none" kumimoji="0" normalizeH="0">
+          <a:defRPr kumimoji="0" sz="1800" b="0" i="0" u="none" strike="noStrike" cap="none" spc="0" normalizeH="0" baseline="0">
             <a:ln>
               <a:noFill/>
             </a:ln>
@@ -8426,7 +8615,7 @@
           <a:buFontTx/>
           <a:buNone/>
           <a:tabLst/>
-          <a:defRPr b="0" baseline="0" cap="none" i="0" spc="0" strike="noStrike" sz="1800" u="none" kumimoji="0" normalizeH="0">
+          <a:defRPr kumimoji="0" sz="1800" b="0" i="0" u="none" strike="noStrike" cap="none" spc="0" normalizeH="0" baseline="0">
             <a:ln>
               <a:noFill/>
             </a:ln>
@@ -8452,7 +8641,7 @@
           <a:buFontTx/>
           <a:buNone/>
           <a:tabLst/>
-          <a:defRPr b="0" baseline="0" cap="none" i="0" spc="0" strike="noStrike" sz="1800" u="none" kumimoji="0" normalizeH="0">
+          <a:defRPr kumimoji="0" sz="1800" b="0" i="0" u="none" strike="noStrike" cap="none" spc="0" normalizeH="0" baseline="0">
             <a:ln>
               <a:noFill/>
             </a:ln>
@@ -8478,7 +8667,7 @@
           <a:buFontTx/>
           <a:buNone/>
           <a:tabLst/>
-          <a:defRPr b="0" baseline="0" cap="none" i="0" spc="0" strike="noStrike" sz="1800" u="none" kumimoji="0" normalizeH="0">
+          <a:defRPr kumimoji="0" sz="1800" b="0" i="0" u="none" strike="noStrike" cap="none" spc="0" normalizeH="0" baseline="0">
             <a:ln>
               <a:noFill/>
             </a:ln>
@@ -8504,7 +8693,7 @@
           <a:buFontTx/>
           <a:buNone/>
           <a:tabLst/>
-          <a:defRPr b="0" baseline="0" cap="none" i="0" spc="0" strike="noStrike" sz="1800" u="none" kumimoji="0" normalizeH="0">
+          <a:defRPr kumimoji="0" sz="1800" b="0" i="0" u="none" strike="noStrike" cap="none" spc="0" normalizeH="0" baseline="0">
             <a:ln>
               <a:noFill/>
             </a:ln>
@@ -8530,7 +8719,7 @@
           <a:buFontTx/>
           <a:buNone/>
           <a:tabLst/>
-          <a:defRPr b="0" baseline="0" cap="none" i="0" spc="0" strike="noStrike" sz="1800" u="none" kumimoji="0" normalizeH="0">
+          <a:defRPr kumimoji="0" sz="1800" b="0" i="0" u="none" strike="noStrike" cap="none" spc="0" normalizeH="0" baseline="0">
             <a:ln>
               <a:noFill/>
             </a:ln>
@@ -8556,7 +8745,7 @@
           <a:buFontTx/>
           <a:buNone/>
           <a:tabLst/>
-          <a:defRPr b="0" baseline="0" cap="none" i="0" spc="0" strike="noStrike" sz="1800" u="none" kumimoji="0" normalizeH="0">
+          <a:defRPr kumimoji="0" sz="1800" b="0" i="0" u="none" strike="noStrike" cap="none" spc="0" normalizeH="0" baseline="0">
             <a:ln>
               <a:noFill/>
             </a:ln>
@@ -8582,7 +8771,7 @@
           <a:buFontTx/>
           <a:buNone/>
           <a:tabLst/>
-          <a:defRPr b="0" baseline="0" cap="none" i="0" spc="0" strike="noStrike" sz="1800" u="none" kumimoji="0" normalizeH="0">
+          <a:defRPr kumimoji="0" sz="1800" b="0" i="0" u="none" strike="noStrike" cap="none" spc="0" normalizeH="0" baseline="0">
             <a:ln>
               <a:noFill/>
             </a:ln>
@@ -8608,7 +8797,7 @@
           <a:buFontTx/>
           <a:buNone/>
           <a:tabLst/>
-          <a:defRPr b="0" baseline="0" cap="none" i="0" spc="0" strike="noStrike" sz="1800" u="none" kumimoji="0" normalizeH="0">
+          <a:defRPr kumimoji="0" sz="1800" b="0" i="0" u="none" strike="noStrike" cap="none" spc="0" normalizeH="0" baseline="0">
             <a:ln>
               <a:noFill/>
             </a:ln>
@@ -8621,9 +8810,15 @@
         </a:lvl9pPr>
       </a:lstStyle>
       <a:style>
-        <a:lnRef idx="0"/>
-        <a:fillRef idx="0"/>
-        <a:effectRef idx="0"/>
+        <a:lnRef idx="0">
+          <a:scrgbClr r="0" g="0" b="0"/>
+        </a:lnRef>
+        <a:fillRef idx="0">
+          <a:scrgbClr r="0" g="0" b="0"/>
+        </a:fillRef>
+        <a:effectRef idx="0">
+          <a:scrgbClr r="0" g="0" b="0"/>
+        </a:effectRef>
         <a:fontRef idx="none"/>
       </a:style>
     </a:lnDef>
@@ -8637,7 +8832,7 @@
         <a:effectLst/>
         <a:sp3d/>
       </a:spPr>
-      <a:bodyPr rot="0" spcFirstLastPara="1" vertOverflow="overflow" horzOverflow="overflow" vert="horz" wrap="square" lIns="50800" tIns="50800" rIns="50800" bIns="50800" numCol="1" spcCol="38100" rtlCol="0" anchor="ctr" upright="0">
+      <a:bodyPr rot="0" spcFirstLastPara="1" vertOverflow="overflow" horzOverflow="overflow" vert="horz" wrap="square" lIns="50800" tIns="50800" rIns="50800" bIns="50800" numCol="1" spcCol="38100" rtlCol="0" anchor="ctr">
         <a:spAutoFit/>
       </a:bodyPr>
       <a:lstStyle>
@@ -8656,7 +8851,7 @@
           <a:buFontTx/>
           <a:buNone/>
           <a:tabLst/>
-          <a:defRPr b="0" baseline="0" cap="none" i="0" spc="0" strike="noStrike" sz="4000" u="none" kumimoji="0" normalizeH="0">
+          <a:defRPr kumimoji="0" sz="4000" b="0" i="0" u="none" strike="noStrike" cap="none" spc="0" normalizeH="0" baseline="0">
             <a:ln>
               <a:noFill/>
             </a:ln>
@@ -8686,7 +8881,7 @@
           <a:buFontTx/>
           <a:buNone/>
           <a:tabLst/>
-          <a:defRPr b="0" baseline="0" cap="none" i="0" spc="0" strike="noStrike" sz="1800" u="none" kumimoji="0" normalizeH="0">
+          <a:defRPr kumimoji="0" sz="1800" b="0" i="0" u="none" strike="noStrike" cap="none" spc="0" normalizeH="0" baseline="0">
             <a:ln>
               <a:noFill/>
             </a:ln>
@@ -8712,7 +8907,7 @@
           <a:buFontTx/>
           <a:buNone/>
           <a:tabLst/>
-          <a:defRPr b="0" baseline="0" cap="none" i="0" spc="0" strike="noStrike" sz="1800" u="none" kumimoji="0" normalizeH="0">
+          <a:defRPr kumimoji="0" sz="1800" b="0" i="0" u="none" strike="noStrike" cap="none" spc="0" normalizeH="0" baseline="0">
             <a:ln>
               <a:noFill/>
             </a:ln>
@@ -8738,7 +8933,7 @@
           <a:buFontTx/>
           <a:buNone/>
           <a:tabLst/>
-          <a:defRPr b="0" baseline="0" cap="none" i="0" spc="0" strike="noStrike" sz="1800" u="none" kumimoji="0" normalizeH="0">
+          <a:defRPr kumimoji="0" sz="1800" b="0" i="0" u="none" strike="noStrike" cap="none" spc="0" normalizeH="0" baseline="0">
             <a:ln>
               <a:noFill/>
             </a:ln>
@@ -8764,7 +8959,7 @@
           <a:buFontTx/>
           <a:buNone/>
           <a:tabLst/>
-          <a:defRPr b="0" baseline="0" cap="none" i="0" spc="0" strike="noStrike" sz="1800" u="none" kumimoji="0" normalizeH="0">
+          <a:defRPr kumimoji="0" sz="1800" b="0" i="0" u="none" strike="noStrike" cap="none" spc="0" normalizeH="0" baseline="0">
             <a:ln>
               <a:noFill/>
             </a:ln>
@@ -8790,7 +8985,7 @@
           <a:buFontTx/>
           <a:buNone/>
           <a:tabLst/>
-          <a:defRPr b="0" baseline="0" cap="none" i="0" spc="0" strike="noStrike" sz="1800" u="none" kumimoji="0" normalizeH="0">
+          <a:defRPr kumimoji="0" sz="1800" b="0" i="0" u="none" strike="noStrike" cap="none" spc="0" normalizeH="0" baseline="0">
             <a:ln>
               <a:noFill/>
             </a:ln>
@@ -8816,7 +9011,7 @@
           <a:buFontTx/>
           <a:buNone/>
           <a:tabLst/>
-          <a:defRPr b="0" baseline="0" cap="none" i="0" spc="0" strike="noStrike" sz="1800" u="none" kumimoji="0" normalizeH="0">
+          <a:defRPr kumimoji="0" sz="1800" b="0" i="0" u="none" strike="noStrike" cap="none" spc="0" normalizeH="0" baseline="0">
             <a:ln>
               <a:noFill/>
             </a:ln>
@@ -8842,7 +9037,7 @@
           <a:buFontTx/>
           <a:buNone/>
           <a:tabLst/>
-          <a:defRPr b="0" baseline="0" cap="none" i="0" spc="0" strike="noStrike" sz="1800" u="none" kumimoji="0" normalizeH="0">
+          <a:defRPr kumimoji="0" sz="1800" b="0" i="0" u="none" strike="noStrike" cap="none" spc="0" normalizeH="0" baseline="0">
             <a:ln>
               <a:noFill/>
             </a:ln>
@@ -8868,7 +9063,7 @@
           <a:buFontTx/>
           <a:buNone/>
           <a:tabLst/>
-          <a:defRPr b="0" baseline="0" cap="none" i="0" spc="0" strike="noStrike" sz="1800" u="none" kumimoji="0" normalizeH="0">
+          <a:defRPr kumimoji="0" sz="1800" b="0" i="0" u="none" strike="noStrike" cap="none" spc="0" normalizeH="0" baseline="0">
             <a:ln>
               <a:noFill/>
             </a:ln>
@@ -8894,7 +9089,7 @@
           <a:buFontTx/>
           <a:buNone/>
           <a:tabLst/>
-          <a:defRPr b="0" baseline="0" cap="none" i="0" spc="0" strike="noStrike" sz="1800" u="none" kumimoji="0" normalizeH="0">
+          <a:defRPr kumimoji="0" sz="1800" b="0" i="0" u="none" strike="noStrike" cap="none" spc="0" normalizeH="0" baseline="0">
             <a:ln>
               <a:noFill/>
             </a:ln>
@@ -8907,12 +9102,19 @@
         </a:lvl9pPr>
       </a:lstStyle>
       <a:style>
-        <a:lnRef idx="0"/>
-        <a:fillRef idx="0"/>
-        <a:effectRef idx="0"/>
+        <a:lnRef idx="0">
+          <a:scrgbClr r="0" g="0" b="0"/>
+        </a:lnRef>
+        <a:fillRef idx="0">
+          <a:scrgbClr r="0" g="0" b="0"/>
+        </a:fillRef>
+        <a:effectRef idx="0">
+          <a:scrgbClr r="0" g="0" b="0"/>
+        </a:effectRef>
         <a:fontRef idx="none"/>
       </a:style>
     </a:txDef>
   </a:objectDefaults>
+  <a:extraClrSchemeLst/>
 </a:theme>
 </file>